--- a/docs/slides/class/04-Protocols.pptx
+++ b/docs/slides/class/04-Protocols.pptx
@@ -242,7 +242,7 @@
           <a:p>
             <a:fld id="{CEDAEFA1-2302-CF41-B3D2-D7622FF3D015}" type="datetimeFigureOut">
               <a:rPr lang="en-US" smtClean="0"/>
-              <a:t>1/21/21</a:t>
+              <a:t>1/5/23</a:t>
             </a:fld>
             <a:endParaRPr lang="en-US"/>
           </a:p>
@@ -570,7 +570,7 @@
           <a:ln/>
           <a:extLst>
             <a:ext uri="{FAA26D3D-D897-4be2-8F04-BA451C77F1D7}">
-              <ma14:placeholderFlag xmlns="" xmlns:ma14="http://schemas.microsoft.com/office/mac/drawingml/2011/main" val="1"/>
+              <ma14:placeholderFlag xmlns:ma14="http://schemas.microsoft.com/office/mac/drawingml/2011/main" xmlns="" val="1"/>
             </a:ext>
           </a:extLst>
         </p:spPr>
@@ -676,7 +676,7 @@
           <a:ln/>
           <a:extLst>
             <a:ext uri="{FAA26D3D-D897-4be2-8F04-BA451C77F1D7}">
-              <ma14:placeholderFlag xmlns:ma14="http://schemas.microsoft.com/office/mac/drawingml/2011/main" xmlns="" val="1"/>
+              <ma14:placeholderFlag xmlns="" xmlns:ma14="http://schemas.microsoft.com/office/mac/drawingml/2011/main" val="1"/>
             </a:ext>
           </a:extLst>
         </p:spPr>
@@ -2309,14 +2309,14 @@
           <a:ln/>
           <a:extLst>
             <a:ext uri="{909E8E84-426E-40dd-AFC4-6F175D3DCCD1}">
-              <a14:hiddenFill xmlns:a14="http://schemas.microsoft.com/office/drawing/2010/main" xmlns="">
+              <a14:hiddenFill xmlns="" xmlns:a14="http://schemas.microsoft.com/office/drawing/2010/main">
                 <a:solidFill>
                   <a:srgbClr val="FFFFFF"/>
                 </a:solidFill>
               </a14:hiddenFill>
             </a:ext>
             <a:ext uri="{91240B29-F687-4f45-9708-019B960494DF}">
-              <a14:hiddenLine xmlns:a14="http://schemas.microsoft.com/office/drawing/2010/main" xmlns="" w="9525">
+              <a14:hiddenLine xmlns="" xmlns:a14="http://schemas.microsoft.com/office/drawing/2010/main" w="9525">
                 <a:solidFill>
                   <a:srgbClr val="000000"/>
                 </a:solidFill>
@@ -2326,7 +2326,7 @@
               </a14:hiddenLine>
             </a:ext>
             <a:ext uri="{FAA26D3D-D897-4be2-8F04-BA451C77F1D7}">
-              <ma14:placeholderFlag xmlns:ma14="http://schemas.microsoft.com/office/mac/drawingml/2011/main" xmlns="" val="1"/>
+              <ma14:placeholderFlag xmlns="" xmlns:ma14="http://schemas.microsoft.com/office/mac/drawingml/2011/main" val="1"/>
             </a:ext>
           </a:extLst>
         </p:spPr>
@@ -2353,14 +2353,14 @@
           <a:ln/>
           <a:extLst>
             <a:ext uri="{909E8E84-426E-40dd-AFC4-6F175D3DCCD1}">
-              <a14:hiddenFill xmlns:a14="http://schemas.microsoft.com/office/drawing/2010/main" xmlns="">
+              <a14:hiddenFill xmlns="" xmlns:a14="http://schemas.microsoft.com/office/drawing/2010/main">
                 <a:solidFill>
                   <a:srgbClr val="FFFFFF"/>
                 </a:solidFill>
               </a14:hiddenFill>
             </a:ext>
             <a:ext uri="{91240B29-F687-4f45-9708-019B960494DF}">
-              <a14:hiddenLine xmlns:a14="http://schemas.microsoft.com/office/drawing/2010/main" xmlns="" w="9525">
+              <a14:hiddenLine xmlns="" xmlns:a14="http://schemas.microsoft.com/office/drawing/2010/main" w="9525">
                 <a:solidFill>
                   <a:srgbClr val="000000"/>
                 </a:solidFill>
@@ -2553,14 +2553,14 @@
           <a:ln/>
           <a:extLst>
             <a:ext uri="{909E8E84-426E-40dd-AFC4-6F175D3DCCD1}">
-              <a14:hiddenFill xmlns:a14="http://schemas.microsoft.com/office/drawing/2010/main" xmlns="">
+              <a14:hiddenFill xmlns="" xmlns:a14="http://schemas.microsoft.com/office/drawing/2010/main">
                 <a:solidFill>
                   <a:srgbClr val="FFFFFF"/>
                 </a:solidFill>
               </a14:hiddenFill>
             </a:ext>
             <a:ext uri="{91240B29-F687-4f45-9708-019B960494DF}">
-              <a14:hiddenLine xmlns:a14="http://schemas.microsoft.com/office/drawing/2010/main" xmlns="" w="9525">
+              <a14:hiddenLine xmlns="" xmlns:a14="http://schemas.microsoft.com/office/drawing/2010/main" w="9525">
                 <a:solidFill>
                   <a:srgbClr val="000000"/>
                 </a:solidFill>
@@ -2570,7 +2570,7 @@
               </a14:hiddenLine>
             </a:ext>
             <a:ext uri="{FAA26D3D-D897-4be2-8F04-BA451C77F1D7}">
-              <ma14:placeholderFlag xmlns:ma14="http://schemas.microsoft.com/office/mac/drawingml/2011/main" xmlns="" val="1"/>
+              <ma14:placeholderFlag xmlns="" xmlns:ma14="http://schemas.microsoft.com/office/mac/drawingml/2011/main" val="1"/>
             </a:ext>
           </a:extLst>
         </p:spPr>
@@ -2597,14 +2597,14 @@
           <a:ln/>
           <a:extLst>
             <a:ext uri="{909E8E84-426E-40dd-AFC4-6F175D3DCCD1}">
-              <a14:hiddenFill xmlns:a14="http://schemas.microsoft.com/office/drawing/2010/main" xmlns="">
+              <a14:hiddenFill xmlns="" xmlns:a14="http://schemas.microsoft.com/office/drawing/2010/main">
                 <a:solidFill>
                   <a:srgbClr val="FFFFFF"/>
                 </a:solidFill>
               </a14:hiddenFill>
             </a:ext>
             <a:ext uri="{91240B29-F687-4f45-9708-019B960494DF}">
-              <a14:hiddenLine xmlns:a14="http://schemas.microsoft.com/office/drawing/2010/main" xmlns="" w="9525">
+              <a14:hiddenLine xmlns="" xmlns:a14="http://schemas.microsoft.com/office/drawing/2010/main" w="9525">
                 <a:solidFill>
                   <a:srgbClr val="000000"/>
                 </a:solidFill>
@@ -2797,14 +2797,14 @@
           <a:ln/>
           <a:extLst>
             <a:ext uri="{909E8E84-426E-40dd-AFC4-6F175D3DCCD1}">
-              <a14:hiddenFill xmlns:a14="http://schemas.microsoft.com/office/drawing/2010/main" xmlns="">
+              <a14:hiddenFill xmlns="" xmlns:a14="http://schemas.microsoft.com/office/drawing/2010/main">
                 <a:solidFill>
                   <a:srgbClr val="FFFFFF"/>
                 </a:solidFill>
               </a14:hiddenFill>
             </a:ext>
             <a:ext uri="{91240B29-F687-4f45-9708-019B960494DF}">
-              <a14:hiddenLine xmlns:a14="http://schemas.microsoft.com/office/drawing/2010/main" xmlns="" w="9525">
+              <a14:hiddenLine xmlns="" xmlns:a14="http://schemas.microsoft.com/office/drawing/2010/main" w="9525">
                 <a:solidFill>
                   <a:srgbClr val="000000"/>
                 </a:solidFill>
@@ -2814,7 +2814,7 @@
               </a14:hiddenLine>
             </a:ext>
             <a:ext uri="{FAA26D3D-D897-4be2-8F04-BA451C77F1D7}">
-              <ma14:placeholderFlag xmlns:ma14="http://schemas.microsoft.com/office/mac/drawingml/2011/main" xmlns="" val="1"/>
+              <ma14:placeholderFlag xmlns="" xmlns:ma14="http://schemas.microsoft.com/office/mac/drawingml/2011/main" val="1"/>
             </a:ext>
           </a:extLst>
         </p:spPr>
@@ -2841,14 +2841,14 @@
           <a:ln/>
           <a:extLst>
             <a:ext uri="{909E8E84-426E-40dd-AFC4-6F175D3DCCD1}">
-              <a14:hiddenFill xmlns:a14="http://schemas.microsoft.com/office/drawing/2010/main" xmlns="">
+              <a14:hiddenFill xmlns="" xmlns:a14="http://schemas.microsoft.com/office/drawing/2010/main">
                 <a:solidFill>
                   <a:srgbClr val="FFFFFF"/>
                 </a:solidFill>
               </a14:hiddenFill>
             </a:ext>
             <a:ext uri="{91240B29-F687-4f45-9708-019B960494DF}">
-              <a14:hiddenLine xmlns:a14="http://schemas.microsoft.com/office/drawing/2010/main" xmlns="" w="9525">
+              <a14:hiddenLine xmlns="" xmlns:a14="http://schemas.microsoft.com/office/drawing/2010/main" w="9525">
                 <a:solidFill>
                   <a:srgbClr val="000000"/>
                 </a:solidFill>
@@ -3615,7 +3615,7 @@
           <a:ln/>
           <a:extLst>
             <a:ext uri="{FAA26D3D-D897-4be2-8F04-BA451C77F1D7}">
-              <ma14:placeholderFlag xmlns:ma14="http://schemas.microsoft.com/office/mac/drawingml/2011/main" xmlns="" val="1"/>
+              <ma14:placeholderFlag xmlns="" xmlns:ma14="http://schemas.microsoft.com/office/mac/drawingml/2011/main" val="1"/>
             </a:ext>
           </a:extLst>
         </p:spPr>
@@ -3724,7 +3724,7 @@
           <a:ln/>
           <a:extLst>
             <a:ext uri="{FAA26D3D-D897-4be2-8F04-BA451C77F1D7}">
-              <ma14:placeholderFlag xmlns:ma14="http://schemas.microsoft.com/office/mac/drawingml/2011/main" xmlns="" val="1"/>
+              <ma14:placeholderFlag xmlns="" xmlns:ma14="http://schemas.microsoft.com/office/mac/drawingml/2011/main" val="1"/>
             </a:ext>
           </a:extLst>
         </p:spPr>
@@ -3857,7 +3857,7 @@
           <a:ln/>
           <a:extLst>
             <a:ext uri="{FAA26D3D-D897-4be2-8F04-BA451C77F1D7}">
-              <ma14:placeholderFlag xmlns:ma14="http://schemas.microsoft.com/office/mac/drawingml/2011/main" xmlns="" val="1"/>
+              <ma14:placeholderFlag xmlns="" xmlns:ma14="http://schemas.microsoft.com/office/mac/drawingml/2011/main" val="1"/>
             </a:ext>
           </a:extLst>
         </p:spPr>
@@ -4051,7 +4051,7 @@
           <a:p>
             <a:fld id="{C9E664E8-8019-2444-AEBA-CE692A70D4C8}" type="datetimeFigureOut">
               <a:rPr lang="en-US" smtClean="0"/>
-              <a:t>1/21/21</a:t>
+              <a:t>1/5/23</a:t>
             </a:fld>
             <a:endParaRPr lang="en-US"/>
           </a:p>
@@ -4249,7 +4249,7 @@
           <a:p>
             <a:fld id="{C9E664E8-8019-2444-AEBA-CE692A70D4C8}" type="datetimeFigureOut">
               <a:rPr lang="en-US" smtClean="0"/>
-              <a:t>1/21/21</a:t>
+              <a:t>1/5/23</a:t>
             </a:fld>
             <a:endParaRPr lang="en-US"/>
           </a:p>
@@ -4457,7 +4457,7 @@
           <a:p>
             <a:fld id="{C9E664E8-8019-2444-AEBA-CE692A70D4C8}" type="datetimeFigureOut">
               <a:rPr lang="en-US" smtClean="0"/>
-              <a:t>1/21/21</a:t>
+              <a:t>1/5/23</a:t>
             </a:fld>
             <a:endParaRPr lang="en-US"/>
           </a:p>
@@ -5143,7 +5143,7 @@
           <a:p>
             <a:fld id="{C9E664E8-8019-2444-AEBA-CE692A70D4C8}" type="datetimeFigureOut">
               <a:rPr lang="en-US" smtClean="0"/>
-              <a:t>1/21/21</a:t>
+              <a:t>1/5/23</a:t>
             </a:fld>
             <a:endParaRPr lang="en-US"/>
           </a:p>
@@ -5418,7 +5418,7 @@
           <a:p>
             <a:fld id="{C9E664E8-8019-2444-AEBA-CE692A70D4C8}" type="datetimeFigureOut">
               <a:rPr lang="en-US" smtClean="0"/>
-              <a:t>1/21/21</a:t>
+              <a:t>1/5/23</a:t>
             </a:fld>
             <a:endParaRPr lang="en-US"/>
           </a:p>
@@ -5683,7 +5683,7 @@
           <a:p>
             <a:fld id="{C9E664E8-8019-2444-AEBA-CE692A70D4C8}" type="datetimeFigureOut">
               <a:rPr lang="en-US" smtClean="0"/>
-              <a:t>1/21/21</a:t>
+              <a:t>1/5/23</a:t>
             </a:fld>
             <a:endParaRPr lang="en-US"/>
           </a:p>
@@ -6095,7 +6095,7 @@
           <a:p>
             <a:fld id="{C9E664E8-8019-2444-AEBA-CE692A70D4C8}" type="datetimeFigureOut">
               <a:rPr lang="en-US" smtClean="0"/>
-              <a:t>1/21/21</a:t>
+              <a:t>1/5/23</a:t>
             </a:fld>
             <a:endParaRPr lang="en-US"/>
           </a:p>
@@ -6236,7 +6236,7 @@
           <a:p>
             <a:fld id="{C9E664E8-8019-2444-AEBA-CE692A70D4C8}" type="datetimeFigureOut">
               <a:rPr lang="en-US" smtClean="0"/>
-              <a:t>1/21/21</a:t>
+              <a:t>1/5/23</a:t>
             </a:fld>
             <a:endParaRPr lang="en-US"/>
           </a:p>
@@ -6349,7 +6349,7 @@
           <a:p>
             <a:fld id="{C9E664E8-8019-2444-AEBA-CE692A70D4C8}" type="datetimeFigureOut">
               <a:rPr lang="en-US" smtClean="0"/>
-              <a:t>1/21/21</a:t>
+              <a:t>1/5/23</a:t>
             </a:fld>
             <a:endParaRPr lang="en-US"/>
           </a:p>
@@ -6660,7 +6660,7 @@
           <a:p>
             <a:fld id="{C9E664E8-8019-2444-AEBA-CE692A70D4C8}" type="datetimeFigureOut">
               <a:rPr lang="en-US" smtClean="0"/>
-              <a:t>1/21/21</a:t>
+              <a:t>1/5/23</a:t>
             </a:fld>
             <a:endParaRPr lang="en-US"/>
           </a:p>
@@ -6948,7 +6948,7 @@
           <a:p>
             <a:fld id="{C9E664E8-8019-2444-AEBA-CE692A70D4C8}" type="datetimeFigureOut">
               <a:rPr lang="en-US" smtClean="0"/>
-              <a:t>1/21/21</a:t>
+              <a:t>1/5/23</a:t>
             </a:fld>
             <a:endParaRPr lang="en-US"/>
           </a:p>
@@ -7189,7 +7189,7 @@
           <a:p>
             <a:fld id="{C9E664E8-8019-2444-AEBA-CE692A70D4C8}" type="datetimeFigureOut">
               <a:rPr lang="en-US" smtClean="0"/>
-              <a:t>1/21/21</a:t>
+              <a:t>1/5/23</a:t>
             </a:fld>
             <a:endParaRPr lang="en-US"/>
           </a:p>
@@ -9857,7 +9857,7 @@
           <a:effectLst/>
           <a:extLst>
             <a:ext uri="{AF507438-7753-43e0-B8FC-AC1667EBCBE1}">
-              <a14:hiddenEffects xmlns:a14="http://schemas.microsoft.com/office/drawing/2010/main" xmlns="">
+              <a14:hiddenEffects xmlns="" xmlns:a14="http://schemas.microsoft.com/office/drawing/2010/main">
                 <a:effectLst>
                   <a:outerShdw blurRad="63500" dist="38099" dir="2700000" algn="ctr" rotWithShape="0">
                     <a:schemeClr val="bg2">
@@ -9934,12 +9934,12 @@
           <a:effectLst/>
           <a:extLst>
             <a:ext uri="{909E8E84-426E-40dd-AFC4-6F175D3DCCD1}">
-              <a14:hiddenFill xmlns:a14="http://schemas.microsoft.com/office/drawing/2010/main" xmlns="">
+              <a14:hiddenFill xmlns="" xmlns:a14="http://schemas.microsoft.com/office/drawing/2010/main">
                 <a:noFill/>
               </a14:hiddenFill>
             </a:ext>
             <a:ext uri="{AF507438-7753-43e0-B8FC-AC1667EBCBE1}">
-              <a14:hiddenEffects xmlns:a14="http://schemas.microsoft.com/office/drawing/2010/main" xmlns="">
+              <a14:hiddenEffects xmlns="" xmlns:a14="http://schemas.microsoft.com/office/drawing/2010/main">
                 <a:effectLst>
                   <a:outerShdw blurRad="63500" dist="38099" dir="2700000" algn="ctr" rotWithShape="0">
                     <a:schemeClr val="bg2">
@@ -9987,14 +9987,14 @@
           <a:effectLst/>
           <a:extLst>
             <a:ext uri="{909E8E84-426E-40dd-AFC4-6F175D3DCCD1}">
-              <a14:hiddenFill xmlns:a14="http://schemas.microsoft.com/office/drawing/2010/main" xmlns="">
+              <a14:hiddenFill xmlns="" xmlns:a14="http://schemas.microsoft.com/office/drawing/2010/main">
                 <a:solidFill>
                   <a:schemeClr val="accent1"/>
                 </a:solidFill>
               </a14:hiddenFill>
             </a:ext>
             <a:ext uri="{91240B29-F687-4f45-9708-019B960494DF}">
-              <a14:hiddenLine xmlns:a14="http://schemas.microsoft.com/office/drawing/2010/main" xmlns="" w="12700">
+              <a14:hiddenLine xmlns="" xmlns:a14="http://schemas.microsoft.com/office/drawing/2010/main" w="12700">
                 <a:solidFill>
                   <a:schemeClr val="tx1"/>
                 </a:solidFill>
@@ -10004,7 +10004,7 @@
               </a14:hiddenLine>
             </a:ext>
             <a:ext uri="{AF507438-7753-43e0-B8FC-AC1667EBCBE1}">
-              <a14:hiddenEffects xmlns:a14="http://schemas.microsoft.com/office/drawing/2010/main" xmlns="">
+              <a14:hiddenEffects xmlns="" xmlns:a14="http://schemas.microsoft.com/office/drawing/2010/main">
                 <a:effectLst>
                   <a:outerShdw blurRad="63500" dist="38099" dir="2700000" algn="ctr" rotWithShape="0">
                     <a:schemeClr val="bg2">
@@ -10084,14 +10084,14 @@
           <a:effectLst/>
           <a:extLst>
             <a:ext uri="{909E8E84-426E-40dd-AFC4-6F175D3DCCD1}">
-              <a14:hiddenFill xmlns:a14="http://schemas.microsoft.com/office/drawing/2010/main" xmlns="">
+              <a14:hiddenFill xmlns="" xmlns:a14="http://schemas.microsoft.com/office/drawing/2010/main">
                 <a:solidFill>
                   <a:schemeClr val="accent1"/>
                 </a:solidFill>
               </a14:hiddenFill>
             </a:ext>
             <a:ext uri="{91240B29-F687-4f45-9708-019B960494DF}">
-              <a14:hiddenLine xmlns:a14="http://schemas.microsoft.com/office/drawing/2010/main" xmlns="" w="12700">
+              <a14:hiddenLine xmlns="" xmlns:a14="http://schemas.microsoft.com/office/drawing/2010/main" w="12700">
                 <a:solidFill>
                   <a:schemeClr val="tx1"/>
                 </a:solidFill>
@@ -10101,7 +10101,7 @@
               </a14:hiddenLine>
             </a:ext>
             <a:ext uri="{AF507438-7753-43e0-B8FC-AC1667EBCBE1}">
-              <a14:hiddenEffects xmlns:a14="http://schemas.microsoft.com/office/drawing/2010/main" xmlns="">
+              <a14:hiddenEffects xmlns="" xmlns:a14="http://schemas.microsoft.com/office/drawing/2010/main">
                 <a:effectLst>
                   <a:outerShdw blurRad="63500" dist="38099" dir="2700000" algn="ctr" rotWithShape="0">
                     <a:schemeClr val="bg2">
@@ -10181,7 +10181,7 @@
           <a:effectLst/>
           <a:extLst>
             <a:ext uri="{AF507438-7753-43e0-B8FC-AC1667EBCBE1}">
-              <a14:hiddenEffects xmlns:a14="http://schemas.microsoft.com/office/drawing/2010/main" xmlns="">
+              <a14:hiddenEffects xmlns="" xmlns:a14="http://schemas.microsoft.com/office/drawing/2010/main">
                 <a:effectLst>
                   <a:outerShdw blurRad="63500" dist="38099" dir="2700000" algn="ctr" rotWithShape="0">
                     <a:schemeClr val="bg2">
@@ -10247,7 +10247,7 @@
           <a:effectLst/>
           <a:extLst>
             <a:ext uri="{AF507438-7753-43e0-B8FC-AC1667EBCBE1}">
-              <a14:hiddenEffects xmlns:a14="http://schemas.microsoft.com/office/drawing/2010/main" xmlns="">
+              <a14:hiddenEffects xmlns="" xmlns:a14="http://schemas.microsoft.com/office/drawing/2010/main">
                 <a:effectLst>
                   <a:outerShdw blurRad="63500" dist="38099" dir="2700000" algn="ctr" rotWithShape="0">
                     <a:schemeClr val="bg2">
@@ -10314,14 +10314,14 @@
           <a:effectLst/>
           <a:extLst>
             <a:ext uri="{909E8E84-426E-40dd-AFC4-6F175D3DCCD1}">
-              <a14:hiddenFill xmlns:a14="http://schemas.microsoft.com/office/drawing/2010/main" xmlns="">
+              <a14:hiddenFill xmlns="" xmlns:a14="http://schemas.microsoft.com/office/drawing/2010/main">
                 <a:solidFill>
                   <a:schemeClr val="accent1"/>
                 </a:solidFill>
               </a14:hiddenFill>
             </a:ext>
             <a:ext uri="{91240B29-F687-4f45-9708-019B960494DF}">
-              <a14:hiddenLine xmlns:a14="http://schemas.microsoft.com/office/drawing/2010/main" xmlns="" w="12700">
+              <a14:hiddenLine xmlns="" xmlns:a14="http://schemas.microsoft.com/office/drawing/2010/main" w="12700">
                 <a:solidFill>
                   <a:schemeClr val="tx1"/>
                 </a:solidFill>
@@ -10331,7 +10331,7 @@
               </a14:hiddenLine>
             </a:ext>
             <a:ext uri="{AF507438-7753-43e0-B8FC-AC1667EBCBE1}">
-              <a14:hiddenEffects xmlns:a14="http://schemas.microsoft.com/office/drawing/2010/main" xmlns="">
+              <a14:hiddenEffects xmlns="" xmlns:a14="http://schemas.microsoft.com/office/drawing/2010/main">
                 <a:effectLst>
                   <a:outerShdw blurRad="63500" dist="38099" dir="2700000" algn="ctr" rotWithShape="0">
                     <a:schemeClr val="bg2">
@@ -10405,12 +10405,12 @@
           <a:effectLst/>
           <a:extLst>
             <a:ext uri="{909E8E84-426E-40dd-AFC4-6F175D3DCCD1}">
-              <a14:hiddenFill xmlns:a14="http://schemas.microsoft.com/office/drawing/2010/main" xmlns="">
+              <a14:hiddenFill xmlns="" xmlns:a14="http://schemas.microsoft.com/office/drawing/2010/main">
                 <a:noFill/>
               </a14:hiddenFill>
             </a:ext>
             <a:ext uri="{AF507438-7753-43e0-B8FC-AC1667EBCBE1}">
-              <a14:hiddenEffects xmlns:a14="http://schemas.microsoft.com/office/drawing/2010/main" xmlns="">
+              <a14:hiddenEffects xmlns="" xmlns:a14="http://schemas.microsoft.com/office/drawing/2010/main">
                 <a:effectLst>
                   <a:outerShdw blurRad="63500" dist="38099" dir="2700000" algn="ctr" rotWithShape="0">
                     <a:schemeClr val="bg2">
@@ -10463,12 +10463,12 @@
           <a:effectLst/>
           <a:extLst>
             <a:ext uri="{909E8E84-426E-40dd-AFC4-6F175D3DCCD1}">
-              <a14:hiddenFill xmlns:a14="http://schemas.microsoft.com/office/drawing/2010/main" xmlns="">
+              <a14:hiddenFill xmlns="" xmlns:a14="http://schemas.microsoft.com/office/drawing/2010/main">
                 <a:noFill/>
               </a14:hiddenFill>
             </a:ext>
             <a:ext uri="{AF507438-7753-43e0-B8FC-AC1667EBCBE1}">
-              <a14:hiddenEffects xmlns:a14="http://schemas.microsoft.com/office/drawing/2010/main" xmlns="">
+              <a14:hiddenEffects xmlns="" xmlns:a14="http://schemas.microsoft.com/office/drawing/2010/main">
                 <a:effectLst>
                   <a:outerShdw blurRad="63500" dist="38099" dir="2700000" algn="ctr" rotWithShape="0">
                     <a:schemeClr val="bg2">
@@ -10660,7 +10660,7 @@
           <a:effectLst/>
           <a:extLst>
             <a:ext uri="{AF507438-7753-43e0-B8FC-AC1667EBCBE1}">
-              <a14:hiddenEffects xmlns:a14="http://schemas.microsoft.com/office/drawing/2010/main" xmlns="">
+              <a14:hiddenEffects xmlns="" xmlns:a14="http://schemas.microsoft.com/office/drawing/2010/main">
                 <a:effectLst>
                   <a:outerShdw blurRad="63500" dist="38099" dir="2700000" algn="ctr" rotWithShape="0">
                     <a:schemeClr val="bg2">
@@ -10740,12 +10740,12 @@
           <a:effectLst/>
           <a:extLst>
             <a:ext uri="{909E8E84-426E-40dd-AFC4-6F175D3DCCD1}">
-              <a14:hiddenFill xmlns:a14="http://schemas.microsoft.com/office/drawing/2010/main" xmlns="">
+              <a14:hiddenFill xmlns="" xmlns:a14="http://schemas.microsoft.com/office/drawing/2010/main">
                 <a:noFill/>
               </a14:hiddenFill>
             </a:ext>
             <a:ext uri="{AF507438-7753-43e0-B8FC-AC1667EBCBE1}">
-              <a14:hiddenEffects xmlns:a14="http://schemas.microsoft.com/office/drawing/2010/main" xmlns="">
+              <a14:hiddenEffects xmlns="" xmlns:a14="http://schemas.microsoft.com/office/drawing/2010/main">
                 <a:effectLst>
                   <a:outerShdw blurRad="63500" dist="38099" dir="2700000" algn="ctr" rotWithShape="0">
                     <a:schemeClr val="bg2">
@@ -10934,12 +10934,12 @@
           <a:effectLst/>
           <a:extLst>
             <a:ext uri="{909E8E84-426E-40dd-AFC4-6F175D3DCCD1}">
-              <a14:hiddenFill xmlns:a14="http://schemas.microsoft.com/office/drawing/2010/main" xmlns="">
+              <a14:hiddenFill xmlns="" xmlns:a14="http://schemas.microsoft.com/office/drawing/2010/main">
                 <a:noFill/>
               </a14:hiddenFill>
             </a:ext>
             <a:ext uri="{AF507438-7753-43e0-B8FC-AC1667EBCBE1}">
-              <a14:hiddenEffects xmlns:a14="http://schemas.microsoft.com/office/drawing/2010/main" xmlns="">
+              <a14:hiddenEffects xmlns="" xmlns:a14="http://schemas.microsoft.com/office/drawing/2010/main">
                 <a:effectLst>
                   <a:outerShdw blurRad="63500" dist="38099" dir="2700000" algn="ctr" rotWithShape="0">
                     <a:schemeClr val="bg2">
@@ -10997,7 +10997,7 @@
           <a:effectLst/>
           <a:extLst>
             <a:ext uri="{AF507438-7753-43e0-B8FC-AC1667EBCBE1}">
-              <a14:hiddenEffects xmlns:a14="http://schemas.microsoft.com/office/drawing/2010/main" xmlns="">
+              <a14:hiddenEffects xmlns="" xmlns:a14="http://schemas.microsoft.com/office/drawing/2010/main">
                 <a:effectLst>
                   <a:outerShdw blurRad="63500" dist="38099" dir="2700000" algn="ctr" rotWithShape="0">
                     <a:schemeClr val="bg2">
@@ -11066,12 +11066,12 @@
           <a:effectLst/>
           <a:extLst>
             <a:ext uri="{909E8E84-426E-40dd-AFC4-6F175D3DCCD1}">
-              <a14:hiddenFill xmlns:a14="http://schemas.microsoft.com/office/drawing/2010/main" xmlns="">
+              <a14:hiddenFill xmlns="" xmlns:a14="http://schemas.microsoft.com/office/drawing/2010/main">
                 <a:noFill/>
               </a14:hiddenFill>
             </a:ext>
             <a:ext uri="{AF507438-7753-43e0-B8FC-AC1667EBCBE1}">
-              <a14:hiddenEffects xmlns:a14="http://schemas.microsoft.com/office/drawing/2010/main" xmlns="">
+              <a14:hiddenEffects xmlns="" xmlns:a14="http://schemas.microsoft.com/office/drawing/2010/main">
                 <a:effectLst>
                   <a:outerShdw blurRad="63500" dist="38099" dir="2700000" algn="ctr" rotWithShape="0">
                     <a:schemeClr val="bg2">
@@ -11124,12 +11124,12 @@
           <a:effectLst/>
           <a:extLst>
             <a:ext uri="{909E8E84-426E-40dd-AFC4-6F175D3DCCD1}">
-              <a14:hiddenFill xmlns:a14="http://schemas.microsoft.com/office/drawing/2010/main" xmlns="">
+              <a14:hiddenFill xmlns="" xmlns:a14="http://schemas.microsoft.com/office/drawing/2010/main">
                 <a:noFill/>
               </a14:hiddenFill>
             </a:ext>
             <a:ext uri="{AF507438-7753-43e0-B8FC-AC1667EBCBE1}">
-              <a14:hiddenEffects xmlns:a14="http://schemas.microsoft.com/office/drawing/2010/main" xmlns="">
+              <a14:hiddenEffects xmlns="" xmlns:a14="http://schemas.microsoft.com/office/drawing/2010/main">
                 <a:effectLst>
                   <a:outerShdw blurRad="63500" dist="38099" dir="2700000" algn="ctr" rotWithShape="0">
                     <a:schemeClr val="bg2">
@@ -11177,14 +11177,14 @@
           <a:effectLst/>
           <a:extLst>
             <a:ext uri="{909E8E84-426E-40dd-AFC4-6F175D3DCCD1}">
-              <a14:hiddenFill xmlns:a14="http://schemas.microsoft.com/office/drawing/2010/main" xmlns="">
+              <a14:hiddenFill xmlns="" xmlns:a14="http://schemas.microsoft.com/office/drawing/2010/main">
                 <a:solidFill>
                   <a:schemeClr val="accent1"/>
                 </a:solidFill>
               </a14:hiddenFill>
             </a:ext>
             <a:ext uri="{91240B29-F687-4f45-9708-019B960494DF}">
-              <a14:hiddenLine xmlns:a14="http://schemas.microsoft.com/office/drawing/2010/main" xmlns="" w="12700">
+              <a14:hiddenLine xmlns="" xmlns:a14="http://schemas.microsoft.com/office/drawing/2010/main" w="12700">
                 <a:solidFill>
                   <a:schemeClr val="tx1"/>
                 </a:solidFill>
@@ -11194,7 +11194,7 @@
               </a14:hiddenLine>
             </a:ext>
             <a:ext uri="{AF507438-7753-43e0-B8FC-AC1667EBCBE1}">
-              <a14:hiddenEffects xmlns:a14="http://schemas.microsoft.com/office/drawing/2010/main" xmlns="">
+              <a14:hiddenEffects xmlns="" xmlns:a14="http://schemas.microsoft.com/office/drawing/2010/main">
                 <a:effectLst>
                   <a:outerShdw blurRad="63500" dist="38099" dir="2700000" algn="ctr" rotWithShape="0">
                     <a:schemeClr val="bg2">
@@ -11281,14 +11281,14 @@
           <a:effectLst/>
           <a:extLst>
             <a:ext uri="{909E8E84-426E-40dd-AFC4-6F175D3DCCD1}">
-              <a14:hiddenFill xmlns:a14="http://schemas.microsoft.com/office/drawing/2010/main" xmlns="">
+              <a14:hiddenFill xmlns="" xmlns:a14="http://schemas.microsoft.com/office/drawing/2010/main">
                 <a:solidFill>
                   <a:schemeClr val="accent1"/>
                 </a:solidFill>
               </a14:hiddenFill>
             </a:ext>
             <a:ext uri="{91240B29-F687-4f45-9708-019B960494DF}">
-              <a14:hiddenLine xmlns:a14="http://schemas.microsoft.com/office/drawing/2010/main" xmlns="" w="12700">
+              <a14:hiddenLine xmlns="" xmlns:a14="http://schemas.microsoft.com/office/drawing/2010/main" w="12700">
                 <a:solidFill>
                   <a:schemeClr val="tx1"/>
                 </a:solidFill>
@@ -11298,7 +11298,7 @@
               </a14:hiddenLine>
             </a:ext>
             <a:ext uri="{AF507438-7753-43e0-B8FC-AC1667EBCBE1}">
-              <a14:hiddenEffects xmlns:a14="http://schemas.microsoft.com/office/drawing/2010/main" xmlns="">
+              <a14:hiddenEffects xmlns="" xmlns:a14="http://schemas.microsoft.com/office/drawing/2010/main">
                 <a:effectLst>
                   <a:outerShdw blurRad="63500" dist="38099" dir="2700000" algn="ctr" rotWithShape="0">
                     <a:schemeClr val="bg2">
@@ -11361,12 +11361,12 @@
           <a:effectLst/>
           <a:extLst>
             <a:ext uri="{909E8E84-426E-40dd-AFC4-6F175D3DCCD1}">
-              <a14:hiddenFill xmlns:a14="http://schemas.microsoft.com/office/drawing/2010/main" xmlns="">
+              <a14:hiddenFill xmlns="" xmlns:a14="http://schemas.microsoft.com/office/drawing/2010/main">
                 <a:noFill/>
               </a14:hiddenFill>
             </a:ext>
             <a:ext uri="{AF507438-7753-43e0-B8FC-AC1667EBCBE1}">
-              <a14:hiddenEffects xmlns:a14="http://schemas.microsoft.com/office/drawing/2010/main" xmlns="">
+              <a14:hiddenEffects xmlns="" xmlns:a14="http://schemas.microsoft.com/office/drawing/2010/main">
                 <a:effectLst>
                   <a:outerShdw blurRad="63500" dist="38099" dir="2700000" algn="ctr" rotWithShape="0">
                     <a:schemeClr val="bg2">
@@ -11458,14 +11458,14 @@
           <a:effectLst/>
           <a:extLst>
             <a:ext uri="{909E8E84-426E-40dd-AFC4-6F175D3DCCD1}">
-              <a14:hiddenFill xmlns:a14="http://schemas.microsoft.com/office/drawing/2010/main" xmlns="">
+              <a14:hiddenFill xmlns="" xmlns:a14="http://schemas.microsoft.com/office/drawing/2010/main">
                 <a:solidFill>
                   <a:schemeClr val="accent1"/>
                 </a:solidFill>
               </a14:hiddenFill>
             </a:ext>
             <a:ext uri="{AF507438-7753-43e0-B8FC-AC1667EBCBE1}">
-              <a14:hiddenEffects xmlns:a14="http://schemas.microsoft.com/office/drawing/2010/main" xmlns="">
+              <a14:hiddenEffects xmlns="" xmlns:a14="http://schemas.microsoft.com/office/drawing/2010/main">
                 <a:effectLst>
                   <a:outerShdw blurRad="63500" dist="38099" dir="2700000" algn="ctr" rotWithShape="0">
                     <a:schemeClr val="bg2">
@@ -11513,14 +11513,14 @@
           <a:effectLst/>
           <a:extLst>
             <a:ext uri="{909E8E84-426E-40dd-AFC4-6F175D3DCCD1}">
-              <a14:hiddenFill xmlns:a14="http://schemas.microsoft.com/office/drawing/2010/main" xmlns="">
+              <a14:hiddenFill xmlns="" xmlns:a14="http://schemas.microsoft.com/office/drawing/2010/main">
                 <a:solidFill>
                   <a:schemeClr val="accent1"/>
                 </a:solidFill>
               </a14:hiddenFill>
             </a:ext>
             <a:ext uri="{91240B29-F687-4f45-9708-019B960494DF}">
-              <a14:hiddenLine xmlns:a14="http://schemas.microsoft.com/office/drawing/2010/main" xmlns="" w="12700">
+              <a14:hiddenLine xmlns="" xmlns:a14="http://schemas.microsoft.com/office/drawing/2010/main" w="12700">
                 <a:solidFill>
                   <a:schemeClr val="tx1"/>
                 </a:solidFill>
@@ -11530,7 +11530,7 @@
               </a14:hiddenLine>
             </a:ext>
             <a:ext uri="{AF507438-7753-43e0-B8FC-AC1667EBCBE1}">
-              <a14:hiddenEffects xmlns:a14="http://schemas.microsoft.com/office/drawing/2010/main" xmlns="">
+              <a14:hiddenEffects xmlns="" xmlns:a14="http://schemas.microsoft.com/office/drawing/2010/main">
                 <a:effectLst>
                   <a:outerShdw blurRad="63500" dist="38099" dir="2700000" algn="ctr" rotWithShape="0">
                     <a:schemeClr val="bg2">
@@ -11598,7 +11598,7 @@
           <a:effectLst/>
           <a:extLst>
             <a:ext uri="{AF507438-7753-43e0-B8FC-AC1667EBCBE1}">
-              <a14:hiddenEffects xmlns:a14="http://schemas.microsoft.com/office/drawing/2010/main" xmlns="">
+              <a14:hiddenEffects xmlns="" xmlns:a14="http://schemas.microsoft.com/office/drawing/2010/main">
                 <a:effectLst>
                   <a:outerShdw blurRad="63500" dist="38099" dir="2700000" algn="ctr" rotWithShape="0">
                     <a:schemeClr val="bg2">
@@ -11667,12 +11667,12 @@
           <a:effectLst/>
           <a:extLst>
             <a:ext uri="{909E8E84-426E-40dd-AFC4-6F175D3DCCD1}">
-              <a14:hiddenFill xmlns:a14="http://schemas.microsoft.com/office/drawing/2010/main" xmlns="">
+              <a14:hiddenFill xmlns="" xmlns:a14="http://schemas.microsoft.com/office/drawing/2010/main">
                 <a:noFill/>
               </a14:hiddenFill>
             </a:ext>
             <a:ext uri="{AF507438-7753-43e0-B8FC-AC1667EBCBE1}">
-              <a14:hiddenEffects xmlns:a14="http://schemas.microsoft.com/office/drawing/2010/main" xmlns="">
+              <a14:hiddenEffects xmlns="" xmlns:a14="http://schemas.microsoft.com/office/drawing/2010/main">
                 <a:effectLst>
                   <a:outerShdw blurRad="63500" dist="38099" dir="2700000" algn="ctr" rotWithShape="0">
                     <a:schemeClr val="bg2">
@@ -11725,12 +11725,12 @@
           <a:effectLst/>
           <a:extLst>
             <a:ext uri="{909E8E84-426E-40dd-AFC4-6F175D3DCCD1}">
-              <a14:hiddenFill xmlns:a14="http://schemas.microsoft.com/office/drawing/2010/main" xmlns="">
+              <a14:hiddenFill xmlns="" xmlns:a14="http://schemas.microsoft.com/office/drawing/2010/main">
                 <a:noFill/>
               </a14:hiddenFill>
             </a:ext>
             <a:ext uri="{AF507438-7753-43e0-B8FC-AC1667EBCBE1}">
-              <a14:hiddenEffects xmlns:a14="http://schemas.microsoft.com/office/drawing/2010/main" xmlns="">
+              <a14:hiddenEffects xmlns="" xmlns:a14="http://schemas.microsoft.com/office/drawing/2010/main">
                 <a:effectLst>
                   <a:outerShdw blurRad="63500" dist="38099" dir="2700000" algn="ctr" rotWithShape="0">
                     <a:schemeClr val="bg2">
@@ -11778,14 +11778,14 @@
           <a:effectLst/>
           <a:extLst>
             <a:ext uri="{909E8E84-426E-40dd-AFC4-6F175D3DCCD1}">
-              <a14:hiddenFill xmlns:a14="http://schemas.microsoft.com/office/drawing/2010/main" xmlns="">
+              <a14:hiddenFill xmlns="" xmlns:a14="http://schemas.microsoft.com/office/drawing/2010/main">
                 <a:solidFill>
                   <a:schemeClr val="accent1"/>
                 </a:solidFill>
               </a14:hiddenFill>
             </a:ext>
             <a:ext uri="{91240B29-F687-4f45-9708-019B960494DF}">
-              <a14:hiddenLine xmlns:a14="http://schemas.microsoft.com/office/drawing/2010/main" xmlns="" w="9525">
+              <a14:hiddenLine xmlns="" xmlns:a14="http://schemas.microsoft.com/office/drawing/2010/main" w="9525">
                 <a:solidFill>
                   <a:schemeClr val="tx1"/>
                 </a:solidFill>
@@ -11795,7 +11795,7 @@
               </a14:hiddenLine>
             </a:ext>
             <a:ext uri="{AF507438-7753-43e0-B8FC-AC1667EBCBE1}">
-              <a14:hiddenEffects xmlns:a14="http://schemas.microsoft.com/office/drawing/2010/main" xmlns="">
+              <a14:hiddenEffects xmlns="" xmlns:a14="http://schemas.microsoft.com/office/drawing/2010/main">
                 <a:effectLst>
                   <a:outerShdw blurRad="63500" dist="38099" dir="2700000" algn="ctr" rotWithShape="0">
                     <a:schemeClr val="bg2">
@@ -11886,12 +11886,12 @@
           <a:effectLst/>
           <a:extLst>
             <a:ext uri="{909E8E84-426E-40dd-AFC4-6F175D3DCCD1}">
-              <a14:hiddenFill xmlns:a14="http://schemas.microsoft.com/office/drawing/2010/main" xmlns="">
+              <a14:hiddenFill xmlns="" xmlns:a14="http://schemas.microsoft.com/office/drawing/2010/main">
                 <a:noFill/>
               </a14:hiddenFill>
             </a:ext>
             <a:ext uri="{AF507438-7753-43e0-B8FC-AC1667EBCBE1}">
-              <a14:hiddenEffects xmlns:a14="http://schemas.microsoft.com/office/drawing/2010/main" xmlns="">
+              <a14:hiddenEffects xmlns="" xmlns:a14="http://schemas.microsoft.com/office/drawing/2010/main">
                 <a:effectLst>
                   <a:outerShdw blurRad="63500" dist="38099" dir="2700000" algn="ctr" rotWithShape="0">
                     <a:schemeClr val="bg2">
@@ -11944,12 +11944,12 @@
           <a:effectLst/>
           <a:extLst>
             <a:ext uri="{909E8E84-426E-40dd-AFC4-6F175D3DCCD1}">
-              <a14:hiddenFill xmlns:a14="http://schemas.microsoft.com/office/drawing/2010/main" xmlns="">
+              <a14:hiddenFill xmlns="" xmlns:a14="http://schemas.microsoft.com/office/drawing/2010/main">
                 <a:noFill/>
               </a14:hiddenFill>
             </a:ext>
             <a:ext uri="{AF507438-7753-43e0-B8FC-AC1667EBCBE1}">
-              <a14:hiddenEffects xmlns:a14="http://schemas.microsoft.com/office/drawing/2010/main" xmlns="">
+              <a14:hiddenEffects xmlns="" xmlns:a14="http://schemas.microsoft.com/office/drawing/2010/main">
                 <a:effectLst>
                   <a:outerShdw blurRad="63500" dist="38099" dir="2700000" algn="ctr" rotWithShape="0">
                     <a:schemeClr val="bg2">
@@ -20245,14 +20245,14 @@
           </a:ln>
           <a:extLst>
             <a:ext uri="{909E8E84-426E-40dd-AFC4-6F175D3DCCD1}">
-              <a14:hiddenFill xmlns="" xmlns:a14="http://schemas.microsoft.com/office/drawing/2010/main">
+              <a14:hiddenFill xmlns:a14="http://schemas.microsoft.com/office/drawing/2010/main" xmlns="">
                 <a:solidFill>
                   <a:srgbClr val="FFFFFF"/>
                 </a:solidFill>
               </a14:hiddenFill>
             </a:ext>
             <a:ext uri="{91240B29-F687-4f45-9708-019B960494DF}">
-              <a14:hiddenLine xmlns="" xmlns:a14="http://schemas.microsoft.com/office/drawing/2010/main" w="9525">
+              <a14:hiddenLine xmlns:a14="http://schemas.microsoft.com/office/drawing/2010/main" xmlns="" w="9525">
                 <a:solidFill>
                   <a:srgbClr val="000000"/>
                 </a:solidFill>
@@ -20458,14 +20458,14 @@
           </a:ln>
           <a:extLst>
             <a:ext uri="{909E8E84-426E-40dd-AFC4-6F175D3DCCD1}">
-              <a14:hiddenFill xmlns="" xmlns:a14="http://schemas.microsoft.com/office/drawing/2010/main">
+              <a14:hiddenFill xmlns:a14="http://schemas.microsoft.com/office/drawing/2010/main" xmlns="">
                 <a:solidFill>
                   <a:srgbClr val="FFFFFF"/>
                 </a:solidFill>
               </a14:hiddenFill>
             </a:ext>
             <a:ext uri="{91240B29-F687-4f45-9708-019B960494DF}">
-              <a14:hiddenLine xmlns="" xmlns:a14="http://schemas.microsoft.com/office/drawing/2010/main" w="9525">
+              <a14:hiddenLine xmlns:a14="http://schemas.microsoft.com/office/drawing/2010/main" xmlns="" w="9525">
                 <a:solidFill>
                   <a:srgbClr val="000000"/>
                 </a:solidFill>
@@ -20640,14 +20640,14 @@
           </a:ln>
           <a:extLst>
             <a:ext uri="{909E8E84-426E-40dd-AFC4-6F175D3DCCD1}">
-              <a14:hiddenFill xmlns="" xmlns:a14="http://schemas.microsoft.com/office/drawing/2010/main">
+              <a14:hiddenFill xmlns:a14="http://schemas.microsoft.com/office/drawing/2010/main" xmlns="">
                 <a:solidFill>
                   <a:srgbClr val="FFFFFF"/>
                 </a:solidFill>
               </a14:hiddenFill>
             </a:ext>
             <a:ext uri="{91240B29-F687-4f45-9708-019B960494DF}">
-              <a14:hiddenLine xmlns="" xmlns:a14="http://schemas.microsoft.com/office/drawing/2010/main" w="9525">
+              <a14:hiddenLine xmlns:a14="http://schemas.microsoft.com/office/drawing/2010/main" xmlns="" w="9525">
                 <a:solidFill>
                   <a:srgbClr val="000000"/>
                 </a:solidFill>
@@ -20912,14 +20912,14 @@
           </a:ln>
           <a:extLst>
             <a:ext uri="{909E8E84-426E-40dd-AFC4-6F175D3DCCD1}">
-              <a14:hiddenFill xmlns="" xmlns:a14="http://schemas.microsoft.com/office/drawing/2010/main">
+              <a14:hiddenFill xmlns:a14="http://schemas.microsoft.com/office/drawing/2010/main" xmlns="">
                 <a:solidFill>
                   <a:srgbClr val="FFFFFF"/>
                 </a:solidFill>
               </a14:hiddenFill>
             </a:ext>
             <a:ext uri="{91240B29-F687-4f45-9708-019B960494DF}">
-              <a14:hiddenLine xmlns="" xmlns:a14="http://schemas.microsoft.com/office/drawing/2010/main" w="9525">
+              <a14:hiddenLine xmlns:a14="http://schemas.microsoft.com/office/drawing/2010/main" xmlns="" w="9525">
                 <a:solidFill>
                   <a:srgbClr val="000000"/>
                 </a:solidFill>
@@ -21713,7 +21713,7 @@
           <a:noFill/>
           <a:extLst>
             <a:ext uri="{909E8E84-426E-40dd-AFC4-6F175D3DCCD1}">
-              <a14:hiddenFill xmlns:a14="http://schemas.microsoft.com/office/drawing/2010/main" xmlns="">
+              <a14:hiddenFill xmlns="" xmlns:a14="http://schemas.microsoft.com/office/drawing/2010/main">
                 <a:solidFill>
                   <a:srgbClr val="FFFFFF"/>
                 </a:solidFill>
@@ -22928,12 +22928,12 @@
               <a:effectLst/>
               <a:extLst>
                 <a:ext uri="{909E8E84-426E-40dd-AFC4-6F175D3DCCD1}">
-                  <a14:hiddenFill xmlns="" xmlns:a14="http://schemas.microsoft.com/office/drawing/2010/main">
+                  <a14:hiddenFill xmlns:a14="http://schemas.microsoft.com/office/drawing/2010/main" xmlns="">
                     <a:noFill/>
                   </a14:hiddenFill>
                 </a:ext>
                 <a:ext uri="{AF507438-7753-43e0-B8FC-AC1667EBCBE1}">
-                  <a14:hiddenEffects xmlns="" xmlns:a14="http://schemas.microsoft.com/office/drawing/2010/main">
+                  <a14:hiddenEffects xmlns:a14="http://schemas.microsoft.com/office/drawing/2010/main" xmlns="">
                     <a:effectLst>
                       <a:outerShdw blurRad="63500" dist="38099" dir="2700000" algn="ctr" rotWithShape="0">
                         <a:schemeClr val="bg2">
@@ -22981,12 +22981,12 @@
               <a:effectLst/>
               <a:extLst>
                 <a:ext uri="{909E8E84-426E-40dd-AFC4-6F175D3DCCD1}">
-                  <a14:hiddenFill xmlns="" xmlns:a14="http://schemas.microsoft.com/office/drawing/2010/main">
+                  <a14:hiddenFill xmlns:a14="http://schemas.microsoft.com/office/drawing/2010/main" xmlns="">
                     <a:noFill/>
                   </a14:hiddenFill>
                 </a:ext>
                 <a:ext uri="{AF507438-7753-43e0-B8FC-AC1667EBCBE1}">
-                  <a14:hiddenEffects xmlns="" xmlns:a14="http://schemas.microsoft.com/office/drawing/2010/main">
+                  <a14:hiddenEffects xmlns:a14="http://schemas.microsoft.com/office/drawing/2010/main" xmlns="">
                     <a:effectLst>
                       <a:outerShdw blurRad="63500" dist="38099" dir="2700000" algn="ctr" rotWithShape="0">
                         <a:schemeClr val="bg2">
@@ -23034,12 +23034,12 @@
               <a:effectLst/>
               <a:extLst>
                 <a:ext uri="{909E8E84-426E-40dd-AFC4-6F175D3DCCD1}">
-                  <a14:hiddenFill xmlns="" xmlns:a14="http://schemas.microsoft.com/office/drawing/2010/main">
+                  <a14:hiddenFill xmlns:a14="http://schemas.microsoft.com/office/drawing/2010/main" xmlns="">
                     <a:noFill/>
                   </a14:hiddenFill>
                 </a:ext>
                 <a:ext uri="{AF507438-7753-43e0-B8FC-AC1667EBCBE1}">
-                  <a14:hiddenEffects xmlns="" xmlns:a14="http://schemas.microsoft.com/office/drawing/2010/main">
+                  <a14:hiddenEffects xmlns:a14="http://schemas.microsoft.com/office/drawing/2010/main" xmlns="">
                     <a:effectLst>
                       <a:outerShdw blurRad="63500" dist="38099" dir="2700000" algn="ctr" rotWithShape="0">
                         <a:schemeClr val="bg2">
@@ -23083,14 +23083,14 @@
             <a:effectLst/>
             <a:extLst>
               <a:ext uri="{909E8E84-426E-40dd-AFC4-6F175D3DCCD1}">
-                <a14:hiddenFill xmlns="" xmlns:a14="http://schemas.microsoft.com/office/drawing/2010/main">
+                <a14:hiddenFill xmlns:a14="http://schemas.microsoft.com/office/drawing/2010/main" xmlns="">
                   <a:solidFill>
                     <a:schemeClr val="accent1"/>
                   </a:solidFill>
                 </a14:hiddenFill>
               </a:ext>
               <a:ext uri="{91240B29-F687-4f45-9708-019B960494DF}">
-                <a14:hiddenLine xmlns="" xmlns:a14="http://schemas.microsoft.com/office/drawing/2010/main" w="9525">
+                <a14:hiddenLine xmlns:a14="http://schemas.microsoft.com/office/drawing/2010/main" xmlns="" w="9525">
                   <a:solidFill>
                     <a:schemeClr val="tx1"/>
                   </a:solidFill>
@@ -23100,7 +23100,7 @@
                 </a14:hiddenLine>
               </a:ext>
               <a:ext uri="{AF507438-7753-43e0-B8FC-AC1667EBCBE1}">
-                <a14:hiddenEffects xmlns="" xmlns:a14="http://schemas.microsoft.com/office/drawing/2010/main">
+                <a14:hiddenEffects xmlns:a14="http://schemas.microsoft.com/office/drawing/2010/main" xmlns="">
                   <a:effectLst>
                     <a:outerShdw blurRad="63500" dist="38099" dir="2700000" algn="ctr" rotWithShape="0">
                       <a:schemeClr val="bg2">
@@ -23153,14 +23153,14 @@
             <a:effectLst/>
             <a:extLst>
               <a:ext uri="{909E8E84-426E-40dd-AFC4-6F175D3DCCD1}">
-                <a14:hiddenFill xmlns="" xmlns:a14="http://schemas.microsoft.com/office/drawing/2010/main">
+                <a14:hiddenFill xmlns:a14="http://schemas.microsoft.com/office/drawing/2010/main" xmlns="">
                   <a:solidFill>
                     <a:schemeClr val="accent1"/>
                   </a:solidFill>
                 </a14:hiddenFill>
               </a:ext>
               <a:ext uri="{91240B29-F687-4f45-9708-019B960494DF}">
-                <a14:hiddenLine xmlns="" xmlns:a14="http://schemas.microsoft.com/office/drawing/2010/main" w="9525">
+                <a14:hiddenLine xmlns:a14="http://schemas.microsoft.com/office/drawing/2010/main" xmlns="" w="9525">
                   <a:solidFill>
                     <a:schemeClr val="tx1"/>
                   </a:solidFill>
@@ -23170,7 +23170,7 @@
                 </a14:hiddenLine>
               </a:ext>
               <a:ext uri="{AF507438-7753-43e0-B8FC-AC1667EBCBE1}">
-                <a14:hiddenEffects xmlns="" xmlns:a14="http://schemas.microsoft.com/office/drawing/2010/main">
+                <a14:hiddenEffects xmlns:a14="http://schemas.microsoft.com/office/drawing/2010/main" xmlns="">
                   <a:effectLst>
                     <a:outerShdw blurRad="63500" dist="38099" dir="2700000" algn="ctr" rotWithShape="0">
                       <a:schemeClr val="bg2">
@@ -23223,14 +23223,14 @@
             <a:effectLst/>
             <a:extLst>
               <a:ext uri="{909E8E84-426E-40dd-AFC4-6F175D3DCCD1}">
-                <a14:hiddenFill xmlns="" xmlns:a14="http://schemas.microsoft.com/office/drawing/2010/main">
+                <a14:hiddenFill xmlns:a14="http://schemas.microsoft.com/office/drawing/2010/main" xmlns="">
                   <a:solidFill>
                     <a:schemeClr val="accent1"/>
                   </a:solidFill>
                 </a14:hiddenFill>
               </a:ext>
               <a:ext uri="{91240B29-F687-4f45-9708-019B960494DF}">
-                <a14:hiddenLine xmlns="" xmlns:a14="http://schemas.microsoft.com/office/drawing/2010/main" w="9525">
+                <a14:hiddenLine xmlns:a14="http://schemas.microsoft.com/office/drawing/2010/main" xmlns="" w="9525">
                   <a:solidFill>
                     <a:schemeClr val="tx1"/>
                   </a:solidFill>
@@ -23240,7 +23240,7 @@
                 </a14:hiddenLine>
               </a:ext>
               <a:ext uri="{AF507438-7753-43e0-B8FC-AC1667EBCBE1}">
-                <a14:hiddenEffects xmlns="" xmlns:a14="http://schemas.microsoft.com/office/drawing/2010/main">
+                <a14:hiddenEffects xmlns:a14="http://schemas.microsoft.com/office/drawing/2010/main" xmlns="">
                   <a:effectLst>
                     <a:outerShdw blurRad="63500" dist="38099" dir="2700000" algn="ctr" rotWithShape="0">
                       <a:schemeClr val="bg2">
@@ -23293,14 +23293,14 @@
             <a:effectLst/>
             <a:extLst>
               <a:ext uri="{909E8E84-426E-40dd-AFC4-6F175D3DCCD1}">
-                <a14:hiddenFill xmlns="" xmlns:a14="http://schemas.microsoft.com/office/drawing/2010/main">
+                <a14:hiddenFill xmlns:a14="http://schemas.microsoft.com/office/drawing/2010/main" xmlns="">
                   <a:solidFill>
                     <a:schemeClr val="accent1"/>
                   </a:solidFill>
                 </a14:hiddenFill>
               </a:ext>
               <a:ext uri="{91240B29-F687-4f45-9708-019B960494DF}">
-                <a14:hiddenLine xmlns="" xmlns:a14="http://schemas.microsoft.com/office/drawing/2010/main" w="9525">
+                <a14:hiddenLine xmlns:a14="http://schemas.microsoft.com/office/drawing/2010/main" xmlns="" w="9525">
                   <a:solidFill>
                     <a:schemeClr val="tx1"/>
                   </a:solidFill>
@@ -23310,7 +23310,7 @@
                 </a14:hiddenLine>
               </a:ext>
               <a:ext uri="{AF507438-7753-43e0-B8FC-AC1667EBCBE1}">
-                <a14:hiddenEffects xmlns="" xmlns:a14="http://schemas.microsoft.com/office/drawing/2010/main">
+                <a14:hiddenEffects xmlns:a14="http://schemas.microsoft.com/office/drawing/2010/main" xmlns="">
                   <a:effectLst>
                     <a:outerShdw blurRad="63500" dist="38099" dir="2700000" algn="ctr" rotWithShape="0">
                       <a:schemeClr val="bg2">
@@ -23364,14 +23364,14 @@
           <a:effectLst/>
           <a:extLst>
             <a:ext uri="{909E8E84-426E-40dd-AFC4-6F175D3DCCD1}">
-              <a14:hiddenFill xmlns="" xmlns:a14="http://schemas.microsoft.com/office/drawing/2010/main">
+              <a14:hiddenFill xmlns:a14="http://schemas.microsoft.com/office/drawing/2010/main" xmlns="">
                 <a:solidFill>
                   <a:schemeClr val="accent1"/>
                 </a:solidFill>
               </a14:hiddenFill>
             </a:ext>
             <a:ext uri="{91240B29-F687-4f45-9708-019B960494DF}">
-              <a14:hiddenLine xmlns="" xmlns:a14="http://schemas.microsoft.com/office/drawing/2010/main" w="9525">
+              <a14:hiddenLine xmlns:a14="http://schemas.microsoft.com/office/drawing/2010/main" xmlns="" w="9525">
                 <a:solidFill>
                   <a:schemeClr val="tx1"/>
                 </a:solidFill>
@@ -23381,7 +23381,7 @@
               </a14:hiddenLine>
             </a:ext>
             <a:ext uri="{AF507438-7753-43e0-B8FC-AC1667EBCBE1}">
-              <a14:hiddenEffects xmlns="" xmlns:a14="http://schemas.microsoft.com/office/drawing/2010/main">
+              <a14:hiddenEffects xmlns:a14="http://schemas.microsoft.com/office/drawing/2010/main" xmlns="">
                 <a:effectLst>
                   <a:outerShdw blurRad="63500" dist="38099" dir="2700000" algn="ctr" rotWithShape="0">
                     <a:schemeClr val="bg2">
@@ -23442,14 +23442,14 @@
           <a:effectLst/>
           <a:extLst>
             <a:ext uri="{909E8E84-426E-40dd-AFC4-6F175D3DCCD1}">
-              <a14:hiddenFill xmlns="" xmlns:a14="http://schemas.microsoft.com/office/drawing/2010/main">
+              <a14:hiddenFill xmlns:a14="http://schemas.microsoft.com/office/drawing/2010/main" xmlns="">
                 <a:solidFill>
                   <a:schemeClr val="accent1"/>
                 </a:solidFill>
               </a14:hiddenFill>
             </a:ext>
             <a:ext uri="{91240B29-F687-4f45-9708-019B960494DF}">
-              <a14:hiddenLine xmlns="" xmlns:a14="http://schemas.microsoft.com/office/drawing/2010/main" w="9525">
+              <a14:hiddenLine xmlns:a14="http://schemas.microsoft.com/office/drawing/2010/main" xmlns="" w="9525">
                 <a:solidFill>
                   <a:schemeClr val="tx1"/>
                 </a:solidFill>
@@ -23459,7 +23459,7 @@
               </a14:hiddenLine>
             </a:ext>
             <a:ext uri="{AF507438-7753-43e0-B8FC-AC1667EBCBE1}">
-              <a14:hiddenEffects xmlns="" xmlns:a14="http://schemas.microsoft.com/office/drawing/2010/main">
+              <a14:hiddenEffects xmlns:a14="http://schemas.microsoft.com/office/drawing/2010/main" xmlns="">
                 <a:effectLst>
                   <a:outerShdw blurRad="63500" dist="38099" dir="2700000" algn="ctr" rotWithShape="0">
                     <a:schemeClr val="bg2">
@@ -23520,14 +23520,14 @@
           <a:effectLst/>
           <a:extLst>
             <a:ext uri="{909E8E84-426E-40dd-AFC4-6F175D3DCCD1}">
-              <a14:hiddenFill xmlns="" xmlns:a14="http://schemas.microsoft.com/office/drawing/2010/main">
+              <a14:hiddenFill xmlns:a14="http://schemas.microsoft.com/office/drawing/2010/main" xmlns="">
                 <a:solidFill>
                   <a:schemeClr val="accent1"/>
                 </a:solidFill>
               </a14:hiddenFill>
             </a:ext>
             <a:ext uri="{91240B29-F687-4f45-9708-019B960494DF}">
-              <a14:hiddenLine xmlns="" xmlns:a14="http://schemas.microsoft.com/office/drawing/2010/main" w="9525">
+              <a14:hiddenLine xmlns:a14="http://schemas.microsoft.com/office/drawing/2010/main" xmlns="" w="9525">
                 <a:solidFill>
                   <a:schemeClr val="tx1"/>
                 </a:solidFill>
@@ -23537,7 +23537,7 @@
               </a14:hiddenLine>
             </a:ext>
             <a:ext uri="{AF507438-7753-43e0-B8FC-AC1667EBCBE1}">
-              <a14:hiddenEffects xmlns="" xmlns:a14="http://schemas.microsoft.com/office/drawing/2010/main">
+              <a14:hiddenEffects xmlns:a14="http://schemas.microsoft.com/office/drawing/2010/main" xmlns="">
                 <a:effectLst>
                   <a:outerShdw blurRad="63500" dist="38099" dir="2700000" algn="ctr" rotWithShape="0">
                     <a:schemeClr val="bg2">
@@ -23586,14 +23586,14 @@
           <a:effectLst/>
           <a:extLst>
             <a:ext uri="{909E8E84-426E-40dd-AFC4-6F175D3DCCD1}">
-              <a14:hiddenFill xmlns="" xmlns:a14="http://schemas.microsoft.com/office/drawing/2010/main">
+              <a14:hiddenFill xmlns:a14="http://schemas.microsoft.com/office/drawing/2010/main" xmlns="">
                 <a:solidFill>
                   <a:schemeClr val="accent1"/>
                 </a:solidFill>
               </a14:hiddenFill>
             </a:ext>
             <a:ext uri="{91240B29-F687-4f45-9708-019B960494DF}">
-              <a14:hiddenLine xmlns="" xmlns:a14="http://schemas.microsoft.com/office/drawing/2010/main" w="9525">
+              <a14:hiddenLine xmlns:a14="http://schemas.microsoft.com/office/drawing/2010/main" xmlns="" w="9525">
                 <a:solidFill>
                   <a:schemeClr val="tx1"/>
                 </a:solidFill>
@@ -23603,7 +23603,7 @@
               </a14:hiddenLine>
             </a:ext>
             <a:ext uri="{AF507438-7753-43e0-B8FC-AC1667EBCBE1}">
-              <a14:hiddenEffects xmlns="" xmlns:a14="http://schemas.microsoft.com/office/drawing/2010/main">
+              <a14:hiddenEffects xmlns:a14="http://schemas.microsoft.com/office/drawing/2010/main" xmlns="">
                 <a:effectLst>
                   <a:outerShdw blurRad="63500" dist="38099" dir="2700000" algn="ctr" rotWithShape="0">
                     <a:schemeClr val="bg2">
@@ -23652,14 +23652,14 @@
           <a:effectLst/>
           <a:extLst>
             <a:ext uri="{909E8E84-426E-40dd-AFC4-6F175D3DCCD1}">
-              <a14:hiddenFill xmlns="" xmlns:a14="http://schemas.microsoft.com/office/drawing/2010/main">
+              <a14:hiddenFill xmlns:a14="http://schemas.microsoft.com/office/drawing/2010/main" xmlns="">
                 <a:solidFill>
                   <a:schemeClr val="accent1"/>
                 </a:solidFill>
               </a14:hiddenFill>
             </a:ext>
             <a:ext uri="{91240B29-F687-4f45-9708-019B960494DF}">
-              <a14:hiddenLine xmlns="" xmlns:a14="http://schemas.microsoft.com/office/drawing/2010/main" w="9525">
+              <a14:hiddenLine xmlns:a14="http://schemas.microsoft.com/office/drawing/2010/main" xmlns="" w="9525">
                 <a:solidFill>
                   <a:schemeClr val="tx1"/>
                 </a:solidFill>
@@ -23669,7 +23669,7 @@
               </a14:hiddenLine>
             </a:ext>
             <a:ext uri="{AF507438-7753-43e0-B8FC-AC1667EBCBE1}">
-              <a14:hiddenEffects xmlns="" xmlns:a14="http://schemas.microsoft.com/office/drawing/2010/main">
+              <a14:hiddenEffects xmlns:a14="http://schemas.microsoft.com/office/drawing/2010/main" xmlns="">
                 <a:effectLst>
                   <a:outerShdw blurRad="63500" dist="38099" dir="2700000" algn="ctr" rotWithShape="0">
                     <a:schemeClr val="bg2">
@@ -23718,14 +23718,14 @@
           <a:effectLst/>
           <a:extLst>
             <a:ext uri="{909E8E84-426E-40dd-AFC4-6F175D3DCCD1}">
-              <a14:hiddenFill xmlns="" xmlns:a14="http://schemas.microsoft.com/office/drawing/2010/main">
+              <a14:hiddenFill xmlns:a14="http://schemas.microsoft.com/office/drawing/2010/main" xmlns="">
                 <a:solidFill>
                   <a:schemeClr val="accent1"/>
                 </a:solidFill>
               </a14:hiddenFill>
             </a:ext>
             <a:ext uri="{91240B29-F687-4f45-9708-019B960494DF}">
-              <a14:hiddenLine xmlns="" xmlns:a14="http://schemas.microsoft.com/office/drawing/2010/main" w="9525">
+              <a14:hiddenLine xmlns:a14="http://schemas.microsoft.com/office/drawing/2010/main" xmlns="" w="9525">
                 <a:solidFill>
                   <a:schemeClr val="tx1"/>
                 </a:solidFill>
@@ -23735,7 +23735,7 @@
               </a14:hiddenLine>
             </a:ext>
             <a:ext uri="{AF507438-7753-43e0-B8FC-AC1667EBCBE1}">
-              <a14:hiddenEffects xmlns="" xmlns:a14="http://schemas.microsoft.com/office/drawing/2010/main">
+              <a14:hiddenEffects xmlns:a14="http://schemas.microsoft.com/office/drawing/2010/main" xmlns="">
                 <a:effectLst>
                   <a:outerShdw blurRad="63500" dist="38099" dir="2700000" algn="ctr" rotWithShape="0">
                     <a:schemeClr val="bg2">
@@ -23784,14 +23784,14 @@
           <a:effectLst/>
           <a:extLst>
             <a:ext uri="{909E8E84-426E-40dd-AFC4-6F175D3DCCD1}">
-              <a14:hiddenFill xmlns="" xmlns:a14="http://schemas.microsoft.com/office/drawing/2010/main">
+              <a14:hiddenFill xmlns:a14="http://schemas.microsoft.com/office/drawing/2010/main" xmlns="">
                 <a:solidFill>
                   <a:schemeClr val="accent1"/>
                 </a:solidFill>
               </a14:hiddenFill>
             </a:ext>
             <a:ext uri="{91240B29-F687-4f45-9708-019B960494DF}">
-              <a14:hiddenLine xmlns="" xmlns:a14="http://schemas.microsoft.com/office/drawing/2010/main" w="9525">
+              <a14:hiddenLine xmlns:a14="http://schemas.microsoft.com/office/drawing/2010/main" xmlns="" w="9525">
                 <a:solidFill>
                   <a:schemeClr val="tx1"/>
                 </a:solidFill>
@@ -23801,7 +23801,7 @@
               </a14:hiddenLine>
             </a:ext>
             <a:ext uri="{AF507438-7753-43e0-B8FC-AC1667EBCBE1}">
-              <a14:hiddenEffects xmlns="" xmlns:a14="http://schemas.microsoft.com/office/drawing/2010/main">
+              <a14:hiddenEffects xmlns:a14="http://schemas.microsoft.com/office/drawing/2010/main" xmlns="">
                 <a:effectLst>
                   <a:outerShdw blurRad="63500" dist="38099" dir="2700000" algn="ctr" rotWithShape="0">
                     <a:schemeClr val="bg2">
@@ -23942,7 +23942,7 @@
           <a:effectLst/>
           <a:extLst>
             <a:ext uri="{91240B29-F687-4f45-9708-019B960494DF}">
-              <a14:hiddenLine xmlns="" xmlns:a14="http://schemas.microsoft.com/office/drawing/2010/main" w="9525">
+              <a14:hiddenLine xmlns:a14="http://schemas.microsoft.com/office/drawing/2010/main" xmlns="" w="9525">
                 <a:solidFill>
                   <a:schemeClr val="tx1"/>
                 </a:solidFill>
@@ -23952,7 +23952,7 @@
               </a14:hiddenLine>
             </a:ext>
             <a:ext uri="{AF507438-7753-43e0-B8FC-AC1667EBCBE1}">
-              <a14:hiddenEffects xmlns="" xmlns:a14="http://schemas.microsoft.com/office/drawing/2010/main">
+              <a14:hiddenEffects xmlns:a14="http://schemas.microsoft.com/office/drawing/2010/main" xmlns="">
                 <a:effectLst>
                   <a:outerShdw blurRad="63500" dist="38099" dir="2700000" algn="ctr" rotWithShape="0">
                     <a:schemeClr val="bg2">
@@ -24564,14 +24564,14 @@
           </a:ln>
           <a:extLst>
             <a:ext uri="{909E8E84-426E-40dd-AFC4-6F175D3DCCD1}">
-              <a14:hiddenFill xmlns:a14="http://schemas.microsoft.com/office/drawing/2010/main" xmlns="">
+              <a14:hiddenFill xmlns="" xmlns:a14="http://schemas.microsoft.com/office/drawing/2010/main">
                 <a:solidFill>
                   <a:srgbClr val="FFFFFF"/>
                 </a:solidFill>
               </a14:hiddenFill>
             </a:ext>
             <a:ext uri="{91240B29-F687-4f45-9708-019B960494DF}">
-              <a14:hiddenLine xmlns:a14="http://schemas.microsoft.com/office/drawing/2010/main" xmlns="" w="9525">
+              <a14:hiddenLine xmlns="" xmlns:a14="http://schemas.microsoft.com/office/drawing/2010/main" w="9525">
                 <a:solidFill>
                   <a:srgbClr val="000000"/>
                 </a:solidFill>

--- a/docs/slides/class/04-Protocols.pptx
+++ b/docs/slides/class/04-Protocols.pptx
@@ -242,7 +242,7 @@
           <a:p>
             <a:fld id="{CEDAEFA1-2302-CF41-B3D2-D7622FF3D015}" type="datetimeFigureOut">
               <a:rPr lang="en-US" smtClean="0"/>
-              <a:t>1/5/23</a:t>
+              <a:t>1/8/24</a:t>
             </a:fld>
             <a:endParaRPr lang="en-US"/>
           </a:p>
@@ -3753,7 +3753,7 @@
               <a:defRPr/>
             </a:pPr>
             <a:r>
-              <a:rPr lang="en-US" altLang="zh-CN">
+              <a:rPr lang="en-US" altLang="zh-CN" dirty="0">
                 <a:cs typeface="+mn-cs"/>
               </a:rPr>
               <a:t>RFC 2535 discusses these RRs in detail.</a:t>
@@ -3763,7 +3763,7 @@
             <a:pPr eaLnBrk="1" hangingPunct="1">
               <a:defRPr/>
             </a:pPr>
-            <a:endParaRPr lang="en-US" altLang="zh-CN">
+            <a:endParaRPr lang="en-US" altLang="zh-CN" dirty="0">
               <a:cs typeface="+mn-cs"/>
             </a:endParaRPr>
           </a:p>
@@ -3772,7 +3772,7 @@
               <a:defRPr/>
             </a:pPr>
             <a:r>
-              <a:rPr lang="en-US" altLang="zh-CN">
+              <a:rPr lang="en-US" altLang="zh-CN" dirty="0">
                 <a:cs typeface="+mn-cs"/>
               </a:rPr>
               <a:t>CERT RR is outside the scope of this course.</a:t>
@@ -4051,7 +4051,7 @@
           <a:p>
             <a:fld id="{C9E664E8-8019-2444-AEBA-CE692A70D4C8}" type="datetimeFigureOut">
               <a:rPr lang="en-US" smtClean="0"/>
-              <a:t>1/5/23</a:t>
+              <a:t>1/8/24</a:t>
             </a:fld>
             <a:endParaRPr lang="en-US"/>
           </a:p>
@@ -4249,7 +4249,7 @@
           <a:p>
             <a:fld id="{C9E664E8-8019-2444-AEBA-CE692A70D4C8}" type="datetimeFigureOut">
               <a:rPr lang="en-US" smtClean="0"/>
-              <a:t>1/5/23</a:t>
+              <a:t>1/8/24</a:t>
             </a:fld>
             <a:endParaRPr lang="en-US"/>
           </a:p>
@@ -4457,7 +4457,7 @@
           <a:p>
             <a:fld id="{C9E664E8-8019-2444-AEBA-CE692A70D4C8}" type="datetimeFigureOut">
               <a:rPr lang="en-US" smtClean="0"/>
-              <a:t>1/5/23</a:t>
+              <a:t>1/8/24</a:t>
             </a:fld>
             <a:endParaRPr lang="en-US"/>
           </a:p>
@@ -5143,7 +5143,7 @@
           <a:p>
             <a:fld id="{C9E664E8-8019-2444-AEBA-CE692A70D4C8}" type="datetimeFigureOut">
               <a:rPr lang="en-US" smtClean="0"/>
-              <a:t>1/5/23</a:t>
+              <a:t>1/8/24</a:t>
             </a:fld>
             <a:endParaRPr lang="en-US"/>
           </a:p>
@@ -5418,7 +5418,7 @@
           <a:p>
             <a:fld id="{C9E664E8-8019-2444-AEBA-CE692A70D4C8}" type="datetimeFigureOut">
               <a:rPr lang="en-US" smtClean="0"/>
-              <a:t>1/5/23</a:t>
+              <a:t>1/8/24</a:t>
             </a:fld>
             <a:endParaRPr lang="en-US"/>
           </a:p>
@@ -5683,7 +5683,7 @@
           <a:p>
             <a:fld id="{C9E664E8-8019-2444-AEBA-CE692A70D4C8}" type="datetimeFigureOut">
               <a:rPr lang="en-US" smtClean="0"/>
-              <a:t>1/5/23</a:t>
+              <a:t>1/8/24</a:t>
             </a:fld>
             <a:endParaRPr lang="en-US"/>
           </a:p>
@@ -6095,7 +6095,7 @@
           <a:p>
             <a:fld id="{C9E664E8-8019-2444-AEBA-CE692A70D4C8}" type="datetimeFigureOut">
               <a:rPr lang="en-US" smtClean="0"/>
-              <a:t>1/5/23</a:t>
+              <a:t>1/8/24</a:t>
             </a:fld>
             <a:endParaRPr lang="en-US"/>
           </a:p>
@@ -6236,7 +6236,7 @@
           <a:p>
             <a:fld id="{C9E664E8-8019-2444-AEBA-CE692A70D4C8}" type="datetimeFigureOut">
               <a:rPr lang="en-US" smtClean="0"/>
-              <a:t>1/5/23</a:t>
+              <a:t>1/8/24</a:t>
             </a:fld>
             <a:endParaRPr lang="en-US"/>
           </a:p>
@@ -6349,7 +6349,7 @@
           <a:p>
             <a:fld id="{C9E664E8-8019-2444-AEBA-CE692A70D4C8}" type="datetimeFigureOut">
               <a:rPr lang="en-US" smtClean="0"/>
-              <a:t>1/5/23</a:t>
+              <a:t>1/8/24</a:t>
             </a:fld>
             <a:endParaRPr lang="en-US"/>
           </a:p>
@@ -6660,7 +6660,7 @@
           <a:p>
             <a:fld id="{C9E664E8-8019-2444-AEBA-CE692A70D4C8}" type="datetimeFigureOut">
               <a:rPr lang="en-US" smtClean="0"/>
-              <a:t>1/5/23</a:t>
+              <a:t>1/8/24</a:t>
             </a:fld>
             <a:endParaRPr lang="en-US"/>
           </a:p>
@@ -6948,7 +6948,7 @@
           <a:p>
             <a:fld id="{C9E664E8-8019-2444-AEBA-CE692A70D4C8}" type="datetimeFigureOut">
               <a:rPr lang="en-US" smtClean="0"/>
-              <a:t>1/5/23</a:t>
+              <a:t>1/8/24</a:t>
             </a:fld>
             <a:endParaRPr lang="en-US"/>
           </a:p>
@@ -7189,7 +7189,7 @@
           <a:p>
             <a:fld id="{C9E664E8-8019-2444-AEBA-CE692A70D4C8}" type="datetimeFigureOut">
               <a:rPr lang="en-US" smtClean="0"/>
-              <a:t>1/5/23</a:t>
+              <a:t>1/8/24</a:t>
             </a:fld>
             <a:endParaRPr lang="en-US"/>
           </a:p>

--- a/docs/slides/class/04-Protocols.pptx
+++ b/docs/slides/class/04-Protocols.pptx
@@ -242,7 +242,7 @@
           <a:p>
             <a:fld id="{CEDAEFA1-2302-CF41-B3D2-D7622FF3D015}" type="datetimeFigureOut">
               <a:rPr lang="en-US" smtClean="0"/>
-              <a:t>1/8/24</a:t>
+              <a:t>7/1/24</a:t>
             </a:fld>
             <a:endParaRPr lang="en-US"/>
           </a:p>
@@ -570,7 +570,7 @@
           <a:ln/>
           <a:extLst>
             <a:ext uri="{FAA26D3D-D897-4be2-8F04-BA451C77F1D7}">
-              <ma14:placeholderFlag xmlns:ma14="http://schemas.microsoft.com/office/mac/drawingml/2011/main" xmlns="" val="1"/>
+              <ma14:placeholderFlag xmlns="" xmlns:ma14="http://schemas.microsoft.com/office/mac/drawingml/2011/main" val="1"/>
             </a:ext>
           </a:extLst>
         </p:spPr>
@@ -676,7 +676,7 @@
           <a:ln/>
           <a:extLst>
             <a:ext uri="{FAA26D3D-D897-4be2-8F04-BA451C77F1D7}">
-              <ma14:placeholderFlag xmlns="" xmlns:ma14="http://schemas.microsoft.com/office/mac/drawingml/2011/main" val="1"/>
+              <ma14:placeholderFlag xmlns:ma14="http://schemas.microsoft.com/office/mac/drawingml/2011/main" xmlns="" val="1"/>
             </a:ext>
           </a:extLst>
         </p:spPr>
@@ -2309,14 +2309,14 @@
           <a:ln/>
           <a:extLst>
             <a:ext uri="{909E8E84-426E-40dd-AFC4-6F175D3DCCD1}">
-              <a14:hiddenFill xmlns="" xmlns:a14="http://schemas.microsoft.com/office/drawing/2010/main">
+              <a14:hiddenFill xmlns:a14="http://schemas.microsoft.com/office/drawing/2010/main" xmlns="">
                 <a:solidFill>
                   <a:srgbClr val="FFFFFF"/>
                 </a:solidFill>
               </a14:hiddenFill>
             </a:ext>
             <a:ext uri="{91240B29-F687-4f45-9708-019B960494DF}">
-              <a14:hiddenLine xmlns="" xmlns:a14="http://schemas.microsoft.com/office/drawing/2010/main" w="9525">
+              <a14:hiddenLine xmlns:a14="http://schemas.microsoft.com/office/drawing/2010/main" xmlns="" w="9525">
                 <a:solidFill>
                   <a:srgbClr val="000000"/>
                 </a:solidFill>
@@ -2326,7 +2326,7 @@
               </a14:hiddenLine>
             </a:ext>
             <a:ext uri="{FAA26D3D-D897-4be2-8F04-BA451C77F1D7}">
-              <ma14:placeholderFlag xmlns="" xmlns:ma14="http://schemas.microsoft.com/office/mac/drawingml/2011/main" val="1"/>
+              <ma14:placeholderFlag xmlns:ma14="http://schemas.microsoft.com/office/mac/drawingml/2011/main" xmlns="" val="1"/>
             </a:ext>
           </a:extLst>
         </p:spPr>
@@ -2353,14 +2353,14 @@
           <a:ln/>
           <a:extLst>
             <a:ext uri="{909E8E84-426E-40dd-AFC4-6F175D3DCCD1}">
-              <a14:hiddenFill xmlns="" xmlns:a14="http://schemas.microsoft.com/office/drawing/2010/main">
+              <a14:hiddenFill xmlns:a14="http://schemas.microsoft.com/office/drawing/2010/main" xmlns="">
                 <a:solidFill>
                   <a:srgbClr val="FFFFFF"/>
                 </a:solidFill>
               </a14:hiddenFill>
             </a:ext>
             <a:ext uri="{91240B29-F687-4f45-9708-019B960494DF}">
-              <a14:hiddenLine xmlns="" xmlns:a14="http://schemas.microsoft.com/office/drawing/2010/main" w="9525">
+              <a14:hiddenLine xmlns:a14="http://schemas.microsoft.com/office/drawing/2010/main" xmlns="" w="9525">
                 <a:solidFill>
                   <a:srgbClr val="000000"/>
                 </a:solidFill>
@@ -2553,14 +2553,14 @@
           <a:ln/>
           <a:extLst>
             <a:ext uri="{909E8E84-426E-40dd-AFC4-6F175D3DCCD1}">
-              <a14:hiddenFill xmlns="" xmlns:a14="http://schemas.microsoft.com/office/drawing/2010/main">
+              <a14:hiddenFill xmlns:a14="http://schemas.microsoft.com/office/drawing/2010/main" xmlns="">
                 <a:solidFill>
                   <a:srgbClr val="FFFFFF"/>
                 </a:solidFill>
               </a14:hiddenFill>
             </a:ext>
             <a:ext uri="{91240B29-F687-4f45-9708-019B960494DF}">
-              <a14:hiddenLine xmlns="" xmlns:a14="http://schemas.microsoft.com/office/drawing/2010/main" w="9525">
+              <a14:hiddenLine xmlns:a14="http://schemas.microsoft.com/office/drawing/2010/main" xmlns="" w="9525">
                 <a:solidFill>
                   <a:srgbClr val="000000"/>
                 </a:solidFill>
@@ -2570,7 +2570,7 @@
               </a14:hiddenLine>
             </a:ext>
             <a:ext uri="{FAA26D3D-D897-4be2-8F04-BA451C77F1D7}">
-              <ma14:placeholderFlag xmlns="" xmlns:ma14="http://schemas.microsoft.com/office/mac/drawingml/2011/main" val="1"/>
+              <ma14:placeholderFlag xmlns:ma14="http://schemas.microsoft.com/office/mac/drawingml/2011/main" xmlns="" val="1"/>
             </a:ext>
           </a:extLst>
         </p:spPr>
@@ -2597,14 +2597,14 @@
           <a:ln/>
           <a:extLst>
             <a:ext uri="{909E8E84-426E-40dd-AFC4-6F175D3DCCD1}">
-              <a14:hiddenFill xmlns="" xmlns:a14="http://schemas.microsoft.com/office/drawing/2010/main">
+              <a14:hiddenFill xmlns:a14="http://schemas.microsoft.com/office/drawing/2010/main" xmlns="">
                 <a:solidFill>
                   <a:srgbClr val="FFFFFF"/>
                 </a:solidFill>
               </a14:hiddenFill>
             </a:ext>
             <a:ext uri="{91240B29-F687-4f45-9708-019B960494DF}">
-              <a14:hiddenLine xmlns="" xmlns:a14="http://schemas.microsoft.com/office/drawing/2010/main" w="9525">
+              <a14:hiddenLine xmlns:a14="http://schemas.microsoft.com/office/drawing/2010/main" xmlns="" w="9525">
                 <a:solidFill>
                   <a:srgbClr val="000000"/>
                 </a:solidFill>
@@ -2797,14 +2797,14 @@
           <a:ln/>
           <a:extLst>
             <a:ext uri="{909E8E84-426E-40dd-AFC4-6F175D3DCCD1}">
-              <a14:hiddenFill xmlns="" xmlns:a14="http://schemas.microsoft.com/office/drawing/2010/main">
+              <a14:hiddenFill xmlns:a14="http://schemas.microsoft.com/office/drawing/2010/main" xmlns="">
                 <a:solidFill>
                   <a:srgbClr val="FFFFFF"/>
                 </a:solidFill>
               </a14:hiddenFill>
             </a:ext>
             <a:ext uri="{91240B29-F687-4f45-9708-019B960494DF}">
-              <a14:hiddenLine xmlns="" xmlns:a14="http://schemas.microsoft.com/office/drawing/2010/main" w="9525">
+              <a14:hiddenLine xmlns:a14="http://schemas.microsoft.com/office/drawing/2010/main" xmlns="" w="9525">
                 <a:solidFill>
                   <a:srgbClr val="000000"/>
                 </a:solidFill>
@@ -2814,7 +2814,7 @@
               </a14:hiddenLine>
             </a:ext>
             <a:ext uri="{FAA26D3D-D897-4be2-8F04-BA451C77F1D7}">
-              <ma14:placeholderFlag xmlns="" xmlns:ma14="http://schemas.microsoft.com/office/mac/drawingml/2011/main" val="1"/>
+              <ma14:placeholderFlag xmlns:ma14="http://schemas.microsoft.com/office/mac/drawingml/2011/main" xmlns="" val="1"/>
             </a:ext>
           </a:extLst>
         </p:spPr>
@@ -2841,14 +2841,14 @@
           <a:ln/>
           <a:extLst>
             <a:ext uri="{909E8E84-426E-40dd-AFC4-6F175D3DCCD1}">
-              <a14:hiddenFill xmlns="" xmlns:a14="http://schemas.microsoft.com/office/drawing/2010/main">
+              <a14:hiddenFill xmlns:a14="http://schemas.microsoft.com/office/drawing/2010/main" xmlns="">
                 <a:solidFill>
                   <a:srgbClr val="FFFFFF"/>
                 </a:solidFill>
               </a14:hiddenFill>
             </a:ext>
             <a:ext uri="{91240B29-F687-4f45-9708-019B960494DF}">
-              <a14:hiddenLine xmlns="" xmlns:a14="http://schemas.microsoft.com/office/drawing/2010/main" w="9525">
+              <a14:hiddenLine xmlns:a14="http://schemas.microsoft.com/office/drawing/2010/main" xmlns="" w="9525">
                 <a:solidFill>
                   <a:srgbClr val="000000"/>
                 </a:solidFill>
@@ -3615,7 +3615,7 @@
           <a:ln/>
           <a:extLst>
             <a:ext uri="{FAA26D3D-D897-4be2-8F04-BA451C77F1D7}">
-              <ma14:placeholderFlag xmlns="" xmlns:ma14="http://schemas.microsoft.com/office/mac/drawingml/2011/main" val="1"/>
+              <ma14:placeholderFlag xmlns:ma14="http://schemas.microsoft.com/office/mac/drawingml/2011/main" xmlns="" val="1"/>
             </a:ext>
           </a:extLst>
         </p:spPr>
@@ -3724,7 +3724,7 @@
           <a:ln/>
           <a:extLst>
             <a:ext uri="{FAA26D3D-D897-4be2-8F04-BA451C77F1D7}">
-              <ma14:placeholderFlag xmlns="" xmlns:ma14="http://schemas.microsoft.com/office/mac/drawingml/2011/main" val="1"/>
+              <ma14:placeholderFlag xmlns:ma14="http://schemas.microsoft.com/office/mac/drawingml/2011/main" xmlns="" val="1"/>
             </a:ext>
           </a:extLst>
         </p:spPr>
@@ -3857,7 +3857,7 @@
           <a:ln/>
           <a:extLst>
             <a:ext uri="{FAA26D3D-D897-4be2-8F04-BA451C77F1D7}">
-              <ma14:placeholderFlag xmlns="" xmlns:ma14="http://schemas.microsoft.com/office/mac/drawingml/2011/main" val="1"/>
+              <ma14:placeholderFlag xmlns:ma14="http://schemas.microsoft.com/office/mac/drawingml/2011/main" xmlns="" val="1"/>
             </a:ext>
           </a:extLst>
         </p:spPr>
@@ -4051,7 +4051,7 @@
           <a:p>
             <a:fld id="{C9E664E8-8019-2444-AEBA-CE692A70D4C8}" type="datetimeFigureOut">
               <a:rPr lang="en-US" smtClean="0"/>
-              <a:t>1/8/24</a:t>
+              <a:t>7/1/24</a:t>
             </a:fld>
             <a:endParaRPr lang="en-US"/>
           </a:p>
@@ -4249,7 +4249,7 @@
           <a:p>
             <a:fld id="{C9E664E8-8019-2444-AEBA-CE692A70D4C8}" type="datetimeFigureOut">
               <a:rPr lang="en-US" smtClean="0"/>
-              <a:t>1/8/24</a:t>
+              <a:t>7/1/24</a:t>
             </a:fld>
             <a:endParaRPr lang="en-US"/>
           </a:p>
@@ -4457,7 +4457,7 @@
           <a:p>
             <a:fld id="{C9E664E8-8019-2444-AEBA-CE692A70D4C8}" type="datetimeFigureOut">
               <a:rPr lang="en-US" smtClean="0"/>
-              <a:t>1/8/24</a:t>
+              <a:t>7/1/24</a:t>
             </a:fld>
             <a:endParaRPr lang="en-US"/>
           </a:p>
@@ -5143,7 +5143,7 @@
           <a:p>
             <a:fld id="{C9E664E8-8019-2444-AEBA-CE692A70D4C8}" type="datetimeFigureOut">
               <a:rPr lang="en-US" smtClean="0"/>
-              <a:t>1/8/24</a:t>
+              <a:t>7/1/24</a:t>
             </a:fld>
             <a:endParaRPr lang="en-US"/>
           </a:p>
@@ -5418,7 +5418,7 @@
           <a:p>
             <a:fld id="{C9E664E8-8019-2444-AEBA-CE692A70D4C8}" type="datetimeFigureOut">
               <a:rPr lang="en-US" smtClean="0"/>
-              <a:t>1/8/24</a:t>
+              <a:t>7/1/24</a:t>
             </a:fld>
             <a:endParaRPr lang="en-US"/>
           </a:p>
@@ -5683,7 +5683,7 @@
           <a:p>
             <a:fld id="{C9E664E8-8019-2444-AEBA-CE692A70D4C8}" type="datetimeFigureOut">
               <a:rPr lang="en-US" smtClean="0"/>
-              <a:t>1/8/24</a:t>
+              <a:t>7/1/24</a:t>
             </a:fld>
             <a:endParaRPr lang="en-US"/>
           </a:p>
@@ -6095,7 +6095,7 @@
           <a:p>
             <a:fld id="{C9E664E8-8019-2444-AEBA-CE692A70D4C8}" type="datetimeFigureOut">
               <a:rPr lang="en-US" smtClean="0"/>
-              <a:t>1/8/24</a:t>
+              <a:t>7/1/24</a:t>
             </a:fld>
             <a:endParaRPr lang="en-US"/>
           </a:p>
@@ -6236,7 +6236,7 @@
           <a:p>
             <a:fld id="{C9E664E8-8019-2444-AEBA-CE692A70D4C8}" type="datetimeFigureOut">
               <a:rPr lang="en-US" smtClean="0"/>
-              <a:t>1/8/24</a:t>
+              <a:t>7/1/24</a:t>
             </a:fld>
             <a:endParaRPr lang="en-US"/>
           </a:p>
@@ -6349,7 +6349,7 @@
           <a:p>
             <a:fld id="{C9E664E8-8019-2444-AEBA-CE692A70D4C8}" type="datetimeFigureOut">
               <a:rPr lang="en-US" smtClean="0"/>
-              <a:t>1/8/24</a:t>
+              <a:t>7/1/24</a:t>
             </a:fld>
             <a:endParaRPr lang="en-US"/>
           </a:p>
@@ -6660,7 +6660,7 @@
           <a:p>
             <a:fld id="{C9E664E8-8019-2444-AEBA-CE692A70D4C8}" type="datetimeFigureOut">
               <a:rPr lang="en-US" smtClean="0"/>
-              <a:t>1/8/24</a:t>
+              <a:t>7/1/24</a:t>
             </a:fld>
             <a:endParaRPr lang="en-US"/>
           </a:p>
@@ -6948,7 +6948,7 @@
           <a:p>
             <a:fld id="{C9E664E8-8019-2444-AEBA-CE692A70D4C8}" type="datetimeFigureOut">
               <a:rPr lang="en-US" smtClean="0"/>
-              <a:t>1/8/24</a:t>
+              <a:t>7/1/24</a:t>
             </a:fld>
             <a:endParaRPr lang="en-US"/>
           </a:p>
@@ -7189,7 +7189,7 @@
           <a:p>
             <a:fld id="{C9E664E8-8019-2444-AEBA-CE692A70D4C8}" type="datetimeFigureOut">
               <a:rPr lang="en-US" smtClean="0"/>
-              <a:t>1/8/24</a:t>
+              <a:t>7/1/24</a:t>
             </a:fld>
             <a:endParaRPr lang="en-US"/>
           </a:p>
@@ -9857,7 +9857,7 @@
           <a:effectLst/>
           <a:extLst>
             <a:ext uri="{AF507438-7753-43e0-B8FC-AC1667EBCBE1}">
-              <a14:hiddenEffects xmlns="" xmlns:a14="http://schemas.microsoft.com/office/drawing/2010/main">
+              <a14:hiddenEffects xmlns:a14="http://schemas.microsoft.com/office/drawing/2010/main" xmlns="">
                 <a:effectLst>
                   <a:outerShdw blurRad="63500" dist="38099" dir="2700000" algn="ctr" rotWithShape="0">
                     <a:schemeClr val="bg2">
@@ -9934,12 +9934,12 @@
           <a:effectLst/>
           <a:extLst>
             <a:ext uri="{909E8E84-426E-40dd-AFC4-6F175D3DCCD1}">
-              <a14:hiddenFill xmlns="" xmlns:a14="http://schemas.microsoft.com/office/drawing/2010/main">
+              <a14:hiddenFill xmlns:a14="http://schemas.microsoft.com/office/drawing/2010/main" xmlns="">
                 <a:noFill/>
               </a14:hiddenFill>
             </a:ext>
             <a:ext uri="{AF507438-7753-43e0-B8FC-AC1667EBCBE1}">
-              <a14:hiddenEffects xmlns="" xmlns:a14="http://schemas.microsoft.com/office/drawing/2010/main">
+              <a14:hiddenEffects xmlns:a14="http://schemas.microsoft.com/office/drawing/2010/main" xmlns="">
                 <a:effectLst>
                   <a:outerShdw blurRad="63500" dist="38099" dir="2700000" algn="ctr" rotWithShape="0">
                     <a:schemeClr val="bg2">
@@ -9987,14 +9987,14 @@
           <a:effectLst/>
           <a:extLst>
             <a:ext uri="{909E8E84-426E-40dd-AFC4-6F175D3DCCD1}">
-              <a14:hiddenFill xmlns="" xmlns:a14="http://schemas.microsoft.com/office/drawing/2010/main">
+              <a14:hiddenFill xmlns:a14="http://schemas.microsoft.com/office/drawing/2010/main" xmlns="">
                 <a:solidFill>
                   <a:schemeClr val="accent1"/>
                 </a:solidFill>
               </a14:hiddenFill>
             </a:ext>
             <a:ext uri="{91240B29-F687-4f45-9708-019B960494DF}">
-              <a14:hiddenLine xmlns="" xmlns:a14="http://schemas.microsoft.com/office/drawing/2010/main" w="12700">
+              <a14:hiddenLine xmlns:a14="http://schemas.microsoft.com/office/drawing/2010/main" xmlns="" w="12700">
                 <a:solidFill>
                   <a:schemeClr val="tx1"/>
                 </a:solidFill>
@@ -10004,7 +10004,7 @@
               </a14:hiddenLine>
             </a:ext>
             <a:ext uri="{AF507438-7753-43e0-B8FC-AC1667EBCBE1}">
-              <a14:hiddenEffects xmlns="" xmlns:a14="http://schemas.microsoft.com/office/drawing/2010/main">
+              <a14:hiddenEffects xmlns:a14="http://schemas.microsoft.com/office/drawing/2010/main" xmlns="">
                 <a:effectLst>
                   <a:outerShdw blurRad="63500" dist="38099" dir="2700000" algn="ctr" rotWithShape="0">
                     <a:schemeClr val="bg2">
@@ -10084,14 +10084,14 @@
           <a:effectLst/>
           <a:extLst>
             <a:ext uri="{909E8E84-426E-40dd-AFC4-6F175D3DCCD1}">
-              <a14:hiddenFill xmlns="" xmlns:a14="http://schemas.microsoft.com/office/drawing/2010/main">
+              <a14:hiddenFill xmlns:a14="http://schemas.microsoft.com/office/drawing/2010/main" xmlns="">
                 <a:solidFill>
                   <a:schemeClr val="accent1"/>
                 </a:solidFill>
               </a14:hiddenFill>
             </a:ext>
             <a:ext uri="{91240B29-F687-4f45-9708-019B960494DF}">
-              <a14:hiddenLine xmlns="" xmlns:a14="http://schemas.microsoft.com/office/drawing/2010/main" w="12700">
+              <a14:hiddenLine xmlns:a14="http://schemas.microsoft.com/office/drawing/2010/main" xmlns="" w="12700">
                 <a:solidFill>
                   <a:schemeClr val="tx1"/>
                 </a:solidFill>
@@ -10101,7 +10101,7 @@
               </a14:hiddenLine>
             </a:ext>
             <a:ext uri="{AF507438-7753-43e0-B8FC-AC1667EBCBE1}">
-              <a14:hiddenEffects xmlns="" xmlns:a14="http://schemas.microsoft.com/office/drawing/2010/main">
+              <a14:hiddenEffects xmlns:a14="http://schemas.microsoft.com/office/drawing/2010/main" xmlns="">
                 <a:effectLst>
                   <a:outerShdw blurRad="63500" dist="38099" dir="2700000" algn="ctr" rotWithShape="0">
                     <a:schemeClr val="bg2">
@@ -10181,7 +10181,7 @@
           <a:effectLst/>
           <a:extLst>
             <a:ext uri="{AF507438-7753-43e0-B8FC-AC1667EBCBE1}">
-              <a14:hiddenEffects xmlns="" xmlns:a14="http://schemas.microsoft.com/office/drawing/2010/main">
+              <a14:hiddenEffects xmlns:a14="http://schemas.microsoft.com/office/drawing/2010/main" xmlns="">
                 <a:effectLst>
                   <a:outerShdw blurRad="63500" dist="38099" dir="2700000" algn="ctr" rotWithShape="0">
                     <a:schemeClr val="bg2">
@@ -10247,7 +10247,7 @@
           <a:effectLst/>
           <a:extLst>
             <a:ext uri="{AF507438-7753-43e0-B8FC-AC1667EBCBE1}">
-              <a14:hiddenEffects xmlns="" xmlns:a14="http://schemas.microsoft.com/office/drawing/2010/main">
+              <a14:hiddenEffects xmlns:a14="http://schemas.microsoft.com/office/drawing/2010/main" xmlns="">
                 <a:effectLst>
                   <a:outerShdw blurRad="63500" dist="38099" dir="2700000" algn="ctr" rotWithShape="0">
                     <a:schemeClr val="bg2">
@@ -10314,14 +10314,14 @@
           <a:effectLst/>
           <a:extLst>
             <a:ext uri="{909E8E84-426E-40dd-AFC4-6F175D3DCCD1}">
-              <a14:hiddenFill xmlns="" xmlns:a14="http://schemas.microsoft.com/office/drawing/2010/main">
+              <a14:hiddenFill xmlns:a14="http://schemas.microsoft.com/office/drawing/2010/main" xmlns="">
                 <a:solidFill>
                   <a:schemeClr val="accent1"/>
                 </a:solidFill>
               </a14:hiddenFill>
             </a:ext>
             <a:ext uri="{91240B29-F687-4f45-9708-019B960494DF}">
-              <a14:hiddenLine xmlns="" xmlns:a14="http://schemas.microsoft.com/office/drawing/2010/main" w="12700">
+              <a14:hiddenLine xmlns:a14="http://schemas.microsoft.com/office/drawing/2010/main" xmlns="" w="12700">
                 <a:solidFill>
                   <a:schemeClr val="tx1"/>
                 </a:solidFill>
@@ -10331,7 +10331,7 @@
               </a14:hiddenLine>
             </a:ext>
             <a:ext uri="{AF507438-7753-43e0-B8FC-AC1667EBCBE1}">
-              <a14:hiddenEffects xmlns="" xmlns:a14="http://schemas.microsoft.com/office/drawing/2010/main">
+              <a14:hiddenEffects xmlns:a14="http://schemas.microsoft.com/office/drawing/2010/main" xmlns="">
                 <a:effectLst>
                   <a:outerShdw blurRad="63500" dist="38099" dir="2700000" algn="ctr" rotWithShape="0">
                     <a:schemeClr val="bg2">
@@ -10405,12 +10405,12 @@
           <a:effectLst/>
           <a:extLst>
             <a:ext uri="{909E8E84-426E-40dd-AFC4-6F175D3DCCD1}">
-              <a14:hiddenFill xmlns="" xmlns:a14="http://schemas.microsoft.com/office/drawing/2010/main">
+              <a14:hiddenFill xmlns:a14="http://schemas.microsoft.com/office/drawing/2010/main" xmlns="">
                 <a:noFill/>
               </a14:hiddenFill>
             </a:ext>
             <a:ext uri="{AF507438-7753-43e0-B8FC-AC1667EBCBE1}">
-              <a14:hiddenEffects xmlns="" xmlns:a14="http://schemas.microsoft.com/office/drawing/2010/main">
+              <a14:hiddenEffects xmlns:a14="http://schemas.microsoft.com/office/drawing/2010/main" xmlns="">
                 <a:effectLst>
                   <a:outerShdw blurRad="63500" dist="38099" dir="2700000" algn="ctr" rotWithShape="0">
                     <a:schemeClr val="bg2">
@@ -10463,12 +10463,12 @@
           <a:effectLst/>
           <a:extLst>
             <a:ext uri="{909E8E84-426E-40dd-AFC4-6F175D3DCCD1}">
-              <a14:hiddenFill xmlns="" xmlns:a14="http://schemas.microsoft.com/office/drawing/2010/main">
+              <a14:hiddenFill xmlns:a14="http://schemas.microsoft.com/office/drawing/2010/main" xmlns="">
                 <a:noFill/>
               </a14:hiddenFill>
             </a:ext>
             <a:ext uri="{AF507438-7753-43e0-B8FC-AC1667EBCBE1}">
-              <a14:hiddenEffects xmlns="" xmlns:a14="http://schemas.microsoft.com/office/drawing/2010/main">
+              <a14:hiddenEffects xmlns:a14="http://schemas.microsoft.com/office/drawing/2010/main" xmlns="">
                 <a:effectLst>
                   <a:outerShdw blurRad="63500" dist="38099" dir="2700000" algn="ctr" rotWithShape="0">
                     <a:schemeClr val="bg2">
@@ -10660,7 +10660,7 @@
           <a:effectLst/>
           <a:extLst>
             <a:ext uri="{AF507438-7753-43e0-B8FC-AC1667EBCBE1}">
-              <a14:hiddenEffects xmlns="" xmlns:a14="http://schemas.microsoft.com/office/drawing/2010/main">
+              <a14:hiddenEffects xmlns:a14="http://schemas.microsoft.com/office/drawing/2010/main" xmlns="">
                 <a:effectLst>
                   <a:outerShdw blurRad="63500" dist="38099" dir="2700000" algn="ctr" rotWithShape="0">
                     <a:schemeClr val="bg2">
@@ -10740,12 +10740,12 @@
           <a:effectLst/>
           <a:extLst>
             <a:ext uri="{909E8E84-426E-40dd-AFC4-6F175D3DCCD1}">
-              <a14:hiddenFill xmlns="" xmlns:a14="http://schemas.microsoft.com/office/drawing/2010/main">
+              <a14:hiddenFill xmlns:a14="http://schemas.microsoft.com/office/drawing/2010/main" xmlns="">
                 <a:noFill/>
               </a14:hiddenFill>
             </a:ext>
             <a:ext uri="{AF507438-7753-43e0-B8FC-AC1667EBCBE1}">
-              <a14:hiddenEffects xmlns="" xmlns:a14="http://schemas.microsoft.com/office/drawing/2010/main">
+              <a14:hiddenEffects xmlns:a14="http://schemas.microsoft.com/office/drawing/2010/main" xmlns="">
                 <a:effectLst>
                   <a:outerShdw blurRad="63500" dist="38099" dir="2700000" algn="ctr" rotWithShape="0">
                     <a:schemeClr val="bg2">
@@ -10934,12 +10934,12 @@
           <a:effectLst/>
           <a:extLst>
             <a:ext uri="{909E8E84-426E-40dd-AFC4-6F175D3DCCD1}">
-              <a14:hiddenFill xmlns="" xmlns:a14="http://schemas.microsoft.com/office/drawing/2010/main">
+              <a14:hiddenFill xmlns:a14="http://schemas.microsoft.com/office/drawing/2010/main" xmlns="">
                 <a:noFill/>
               </a14:hiddenFill>
             </a:ext>
             <a:ext uri="{AF507438-7753-43e0-B8FC-AC1667EBCBE1}">
-              <a14:hiddenEffects xmlns="" xmlns:a14="http://schemas.microsoft.com/office/drawing/2010/main">
+              <a14:hiddenEffects xmlns:a14="http://schemas.microsoft.com/office/drawing/2010/main" xmlns="">
                 <a:effectLst>
                   <a:outerShdw blurRad="63500" dist="38099" dir="2700000" algn="ctr" rotWithShape="0">
                     <a:schemeClr val="bg2">
@@ -10997,7 +10997,7 @@
           <a:effectLst/>
           <a:extLst>
             <a:ext uri="{AF507438-7753-43e0-B8FC-AC1667EBCBE1}">
-              <a14:hiddenEffects xmlns="" xmlns:a14="http://schemas.microsoft.com/office/drawing/2010/main">
+              <a14:hiddenEffects xmlns:a14="http://schemas.microsoft.com/office/drawing/2010/main" xmlns="">
                 <a:effectLst>
                   <a:outerShdw blurRad="63500" dist="38099" dir="2700000" algn="ctr" rotWithShape="0">
                     <a:schemeClr val="bg2">
@@ -11066,12 +11066,12 @@
           <a:effectLst/>
           <a:extLst>
             <a:ext uri="{909E8E84-426E-40dd-AFC4-6F175D3DCCD1}">
-              <a14:hiddenFill xmlns="" xmlns:a14="http://schemas.microsoft.com/office/drawing/2010/main">
+              <a14:hiddenFill xmlns:a14="http://schemas.microsoft.com/office/drawing/2010/main" xmlns="">
                 <a:noFill/>
               </a14:hiddenFill>
             </a:ext>
             <a:ext uri="{AF507438-7753-43e0-B8FC-AC1667EBCBE1}">
-              <a14:hiddenEffects xmlns="" xmlns:a14="http://schemas.microsoft.com/office/drawing/2010/main">
+              <a14:hiddenEffects xmlns:a14="http://schemas.microsoft.com/office/drawing/2010/main" xmlns="">
                 <a:effectLst>
                   <a:outerShdw blurRad="63500" dist="38099" dir="2700000" algn="ctr" rotWithShape="0">
                     <a:schemeClr val="bg2">
@@ -11124,12 +11124,12 @@
           <a:effectLst/>
           <a:extLst>
             <a:ext uri="{909E8E84-426E-40dd-AFC4-6F175D3DCCD1}">
-              <a14:hiddenFill xmlns="" xmlns:a14="http://schemas.microsoft.com/office/drawing/2010/main">
+              <a14:hiddenFill xmlns:a14="http://schemas.microsoft.com/office/drawing/2010/main" xmlns="">
                 <a:noFill/>
               </a14:hiddenFill>
             </a:ext>
             <a:ext uri="{AF507438-7753-43e0-B8FC-AC1667EBCBE1}">
-              <a14:hiddenEffects xmlns="" xmlns:a14="http://schemas.microsoft.com/office/drawing/2010/main">
+              <a14:hiddenEffects xmlns:a14="http://schemas.microsoft.com/office/drawing/2010/main" xmlns="">
                 <a:effectLst>
                   <a:outerShdw blurRad="63500" dist="38099" dir="2700000" algn="ctr" rotWithShape="0">
                     <a:schemeClr val="bg2">
@@ -11177,14 +11177,14 @@
           <a:effectLst/>
           <a:extLst>
             <a:ext uri="{909E8E84-426E-40dd-AFC4-6F175D3DCCD1}">
-              <a14:hiddenFill xmlns="" xmlns:a14="http://schemas.microsoft.com/office/drawing/2010/main">
+              <a14:hiddenFill xmlns:a14="http://schemas.microsoft.com/office/drawing/2010/main" xmlns="">
                 <a:solidFill>
                   <a:schemeClr val="accent1"/>
                 </a:solidFill>
               </a14:hiddenFill>
             </a:ext>
             <a:ext uri="{91240B29-F687-4f45-9708-019B960494DF}">
-              <a14:hiddenLine xmlns="" xmlns:a14="http://schemas.microsoft.com/office/drawing/2010/main" w="12700">
+              <a14:hiddenLine xmlns:a14="http://schemas.microsoft.com/office/drawing/2010/main" xmlns="" w="12700">
                 <a:solidFill>
                   <a:schemeClr val="tx1"/>
                 </a:solidFill>
@@ -11194,7 +11194,7 @@
               </a14:hiddenLine>
             </a:ext>
             <a:ext uri="{AF507438-7753-43e0-B8FC-AC1667EBCBE1}">
-              <a14:hiddenEffects xmlns="" xmlns:a14="http://schemas.microsoft.com/office/drawing/2010/main">
+              <a14:hiddenEffects xmlns:a14="http://schemas.microsoft.com/office/drawing/2010/main" xmlns="">
                 <a:effectLst>
                   <a:outerShdw blurRad="63500" dist="38099" dir="2700000" algn="ctr" rotWithShape="0">
                     <a:schemeClr val="bg2">
@@ -11281,14 +11281,14 @@
           <a:effectLst/>
           <a:extLst>
             <a:ext uri="{909E8E84-426E-40dd-AFC4-6F175D3DCCD1}">
-              <a14:hiddenFill xmlns="" xmlns:a14="http://schemas.microsoft.com/office/drawing/2010/main">
+              <a14:hiddenFill xmlns:a14="http://schemas.microsoft.com/office/drawing/2010/main" xmlns="">
                 <a:solidFill>
                   <a:schemeClr val="accent1"/>
                 </a:solidFill>
               </a14:hiddenFill>
             </a:ext>
             <a:ext uri="{91240B29-F687-4f45-9708-019B960494DF}">
-              <a14:hiddenLine xmlns="" xmlns:a14="http://schemas.microsoft.com/office/drawing/2010/main" w="12700">
+              <a14:hiddenLine xmlns:a14="http://schemas.microsoft.com/office/drawing/2010/main" xmlns="" w="12700">
                 <a:solidFill>
                   <a:schemeClr val="tx1"/>
                 </a:solidFill>
@@ -11298,7 +11298,7 @@
               </a14:hiddenLine>
             </a:ext>
             <a:ext uri="{AF507438-7753-43e0-B8FC-AC1667EBCBE1}">
-              <a14:hiddenEffects xmlns="" xmlns:a14="http://schemas.microsoft.com/office/drawing/2010/main">
+              <a14:hiddenEffects xmlns:a14="http://schemas.microsoft.com/office/drawing/2010/main" xmlns="">
                 <a:effectLst>
                   <a:outerShdw blurRad="63500" dist="38099" dir="2700000" algn="ctr" rotWithShape="0">
                     <a:schemeClr val="bg2">
@@ -11361,12 +11361,12 @@
           <a:effectLst/>
           <a:extLst>
             <a:ext uri="{909E8E84-426E-40dd-AFC4-6F175D3DCCD1}">
-              <a14:hiddenFill xmlns="" xmlns:a14="http://schemas.microsoft.com/office/drawing/2010/main">
+              <a14:hiddenFill xmlns:a14="http://schemas.microsoft.com/office/drawing/2010/main" xmlns="">
                 <a:noFill/>
               </a14:hiddenFill>
             </a:ext>
             <a:ext uri="{AF507438-7753-43e0-B8FC-AC1667EBCBE1}">
-              <a14:hiddenEffects xmlns="" xmlns:a14="http://schemas.microsoft.com/office/drawing/2010/main">
+              <a14:hiddenEffects xmlns:a14="http://schemas.microsoft.com/office/drawing/2010/main" xmlns="">
                 <a:effectLst>
                   <a:outerShdw blurRad="63500" dist="38099" dir="2700000" algn="ctr" rotWithShape="0">
                     <a:schemeClr val="bg2">
@@ -11458,14 +11458,14 @@
           <a:effectLst/>
           <a:extLst>
             <a:ext uri="{909E8E84-426E-40dd-AFC4-6F175D3DCCD1}">
-              <a14:hiddenFill xmlns="" xmlns:a14="http://schemas.microsoft.com/office/drawing/2010/main">
+              <a14:hiddenFill xmlns:a14="http://schemas.microsoft.com/office/drawing/2010/main" xmlns="">
                 <a:solidFill>
                   <a:schemeClr val="accent1"/>
                 </a:solidFill>
               </a14:hiddenFill>
             </a:ext>
             <a:ext uri="{AF507438-7753-43e0-B8FC-AC1667EBCBE1}">
-              <a14:hiddenEffects xmlns="" xmlns:a14="http://schemas.microsoft.com/office/drawing/2010/main">
+              <a14:hiddenEffects xmlns:a14="http://schemas.microsoft.com/office/drawing/2010/main" xmlns="">
                 <a:effectLst>
                   <a:outerShdw blurRad="63500" dist="38099" dir="2700000" algn="ctr" rotWithShape="0">
                     <a:schemeClr val="bg2">
@@ -11513,14 +11513,14 @@
           <a:effectLst/>
           <a:extLst>
             <a:ext uri="{909E8E84-426E-40dd-AFC4-6F175D3DCCD1}">
-              <a14:hiddenFill xmlns="" xmlns:a14="http://schemas.microsoft.com/office/drawing/2010/main">
+              <a14:hiddenFill xmlns:a14="http://schemas.microsoft.com/office/drawing/2010/main" xmlns="">
                 <a:solidFill>
                   <a:schemeClr val="accent1"/>
                 </a:solidFill>
               </a14:hiddenFill>
             </a:ext>
             <a:ext uri="{91240B29-F687-4f45-9708-019B960494DF}">
-              <a14:hiddenLine xmlns="" xmlns:a14="http://schemas.microsoft.com/office/drawing/2010/main" w="12700">
+              <a14:hiddenLine xmlns:a14="http://schemas.microsoft.com/office/drawing/2010/main" xmlns="" w="12700">
                 <a:solidFill>
                   <a:schemeClr val="tx1"/>
                 </a:solidFill>
@@ -11530,7 +11530,7 @@
               </a14:hiddenLine>
             </a:ext>
             <a:ext uri="{AF507438-7753-43e0-B8FC-AC1667EBCBE1}">
-              <a14:hiddenEffects xmlns="" xmlns:a14="http://schemas.microsoft.com/office/drawing/2010/main">
+              <a14:hiddenEffects xmlns:a14="http://schemas.microsoft.com/office/drawing/2010/main" xmlns="">
                 <a:effectLst>
                   <a:outerShdw blurRad="63500" dist="38099" dir="2700000" algn="ctr" rotWithShape="0">
                     <a:schemeClr val="bg2">
@@ -11598,7 +11598,7 @@
           <a:effectLst/>
           <a:extLst>
             <a:ext uri="{AF507438-7753-43e0-B8FC-AC1667EBCBE1}">
-              <a14:hiddenEffects xmlns="" xmlns:a14="http://schemas.microsoft.com/office/drawing/2010/main">
+              <a14:hiddenEffects xmlns:a14="http://schemas.microsoft.com/office/drawing/2010/main" xmlns="">
                 <a:effectLst>
                   <a:outerShdw blurRad="63500" dist="38099" dir="2700000" algn="ctr" rotWithShape="0">
                     <a:schemeClr val="bg2">
@@ -11667,12 +11667,12 @@
           <a:effectLst/>
           <a:extLst>
             <a:ext uri="{909E8E84-426E-40dd-AFC4-6F175D3DCCD1}">
-              <a14:hiddenFill xmlns="" xmlns:a14="http://schemas.microsoft.com/office/drawing/2010/main">
+              <a14:hiddenFill xmlns:a14="http://schemas.microsoft.com/office/drawing/2010/main" xmlns="">
                 <a:noFill/>
               </a14:hiddenFill>
             </a:ext>
             <a:ext uri="{AF507438-7753-43e0-B8FC-AC1667EBCBE1}">
-              <a14:hiddenEffects xmlns="" xmlns:a14="http://schemas.microsoft.com/office/drawing/2010/main">
+              <a14:hiddenEffects xmlns:a14="http://schemas.microsoft.com/office/drawing/2010/main" xmlns="">
                 <a:effectLst>
                   <a:outerShdw blurRad="63500" dist="38099" dir="2700000" algn="ctr" rotWithShape="0">
                     <a:schemeClr val="bg2">
@@ -11725,12 +11725,12 @@
           <a:effectLst/>
           <a:extLst>
             <a:ext uri="{909E8E84-426E-40dd-AFC4-6F175D3DCCD1}">
-              <a14:hiddenFill xmlns="" xmlns:a14="http://schemas.microsoft.com/office/drawing/2010/main">
+              <a14:hiddenFill xmlns:a14="http://schemas.microsoft.com/office/drawing/2010/main" xmlns="">
                 <a:noFill/>
               </a14:hiddenFill>
             </a:ext>
             <a:ext uri="{AF507438-7753-43e0-B8FC-AC1667EBCBE1}">
-              <a14:hiddenEffects xmlns="" xmlns:a14="http://schemas.microsoft.com/office/drawing/2010/main">
+              <a14:hiddenEffects xmlns:a14="http://schemas.microsoft.com/office/drawing/2010/main" xmlns="">
                 <a:effectLst>
                   <a:outerShdw blurRad="63500" dist="38099" dir="2700000" algn="ctr" rotWithShape="0">
                     <a:schemeClr val="bg2">
@@ -11778,14 +11778,14 @@
           <a:effectLst/>
           <a:extLst>
             <a:ext uri="{909E8E84-426E-40dd-AFC4-6F175D3DCCD1}">
-              <a14:hiddenFill xmlns="" xmlns:a14="http://schemas.microsoft.com/office/drawing/2010/main">
+              <a14:hiddenFill xmlns:a14="http://schemas.microsoft.com/office/drawing/2010/main" xmlns="">
                 <a:solidFill>
                   <a:schemeClr val="accent1"/>
                 </a:solidFill>
               </a14:hiddenFill>
             </a:ext>
             <a:ext uri="{91240B29-F687-4f45-9708-019B960494DF}">
-              <a14:hiddenLine xmlns="" xmlns:a14="http://schemas.microsoft.com/office/drawing/2010/main" w="9525">
+              <a14:hiddenLine xmlns:a14="http://schemas.microsoft.com/office/drawing/2010/main" xmlns="" w="9525">
                 <a:solidFill>
                   <a:schemeClr val="tx1"/>
                 </a:solidFill>
@@ -11795,7 +11795,7 @@
               </a14:hiddenLine>
             </a:ext>
             <a:ext uri="{AF507438-7753-43e0-B8FC-AC1667EBCBE1}">
-              <a14:hiddenEffects xmlns="" xmlns:a14="http://schemas.microsoft.com/office/drawing/2010/main">
+              <a14:hiddenEffects xmlns:a14="http://schemas.microsoft.com/office/drawing/2010/main" xmlns="">
                 <a:effectLst>
                   <a:outerShdw blurRad="63500" dist="38099" dir="2700000" algn="ctr" rotWithShape="0">
                     <a:schemeClr val="bg2">
@@ -11886,12 +11886,12 @@
           <a:effectLst/>
           <a:extLst>
             <a:ext uri="{909E8E84-426E-40dd-AFC4-6F175D3DCCD1}">
-              <a14:hiddenFill xmlns="" xmlns:a14="http://schemas.microsoft.com/office/drawing/2010/main">
+              <a14:hiddenFill xmlns:a14="http://schemas.microsoft.com/office/drawing/2010/main" xmlns="">
                 <a:noFill/>
               </a14:hiddenFill>
             </a:ext>
             <a:ext uri="{AF507438-7753-43e0-B8FC-AC1667EBCBE1}">
-              <a14:hiddenEffects xmlns="" xmlns:a14="http://schemas.microsoft.com/office/drawing/2010/main">
+              <a14:hiddenEffects xmlns:a14="http://schemas.microsoft.com/office/drawing/2010/main" xmlns="">
                 <a:effectLst>
                   <a:outerShdw blurRad="63500" dist="38099" dir="2700000" algn="ctr" rotWithShape="0">
                     <a:schemeClr val="bg2">
@@ -11944,12 +11944,12 @@
           <a:effectLst/>
           <a:extLst>
             <a:ext uri="{909E8E84-426E-40dd-AFC4-6F175D3DCCD1}">
-              <a14:hiddenFill xmlns="" xmlns:a14="http://schemas.microsoft.com/office/drawing/2010/main">
+              <a14:hiddenFill xmlns:a14="http://schemas.microsoft.com/office/drawing/2010/main" xmlns="">
                 <a:noFill/>
               </a14:hiddenFill>
             </a:ext>
             <a:ext uri="{AF507438-7753-43e0-B8FC-AC1667EBCBE1}">
-              <a14:hiddenEffects xmlns="" xmlns:a14="http://schemas.microsoft.com/office/drawing/2010/main">
+              <a14:hiddenEffects xmlns:a14="http://schemas.microsoft.com/office/drawing/2010/main" xmlns="">
                 <a:effectLst>
                   <a:outerShdw blurRad="63500" dist="38099" dir="2700000" algn="ctr" rotWithShape="0">
                     <a:schemeClr val="bg2">
@@ -20245,14 +20245,14 @@
           </a:ln>
           <a:extLst>
             <a:ext uri="{909E8E84-426E-40dd-AFC4-6F175D3DCCD1}">
-              <a14:hiddenFill xmlns:a14="http://schemas.microsoft.com/office/drawing/2010/main" xmlns="">
+              <a14:hiddenFill xmlns="" xmlns:a14="http://schemas.microsoft.com/office/drawing/2010/main">
                 <a:solidFill>
                   <a:srgbClr val="FFFFFF"/>
                 </a:solidFill>
               </a14:hiddenFill>
             </a:ext>
             <a:ext uri="{91240B29-F687-4f45-9708-019B960494DF}">
-              <a14:hiddenLine xmlns:a14="http://schemas.microsoft.com/office/drawing/2010/main" xmlns="" w="9525">
+              <a14:hiddenLine xmlns="" xmlns:a14="http://schemas.microsoft.com/office/drawing/2010/main" w="9525">
                 <a:solidFill>
                   <a:srgbClr val="000000"/>
                 </a:solidFill>
@@ -20458,14 +20458,14 @@
           </a:ln>
           <a:extLst>
             <a:ext uri="{909E8E84-426E-40dd-AFC4-6F175D3DCCD1}">
-              <a14:hiddenFill xmlns:a14="http://schemas.microsoft.com/office/drawing/2010/main" xmlns="">
+              <a14:hiddenFill xmlns="" xmlns:a14="http://schemas.microsoft.com/office/drawing/2010/main">
                 <a:solidFill>
                   <a:srgbClr val="FFFFFF"/>
                 </a:solidFill>
               </a14:hiddenFill>
             </a:ext>
             <a:ext uri="{91240B29-F687-4f45-9708-019B960494DF}">
-              <a14:hiddenLine xmlns:a14="http://schemas.microsoft.com/office/drawing/2010/main" xmlns="" w="9525">
+              <a14:hiddenLine xmlns="" xmlns:a14="http://schemas.microsoft.com/office/drawing/2010/main" w="9525">
                 <a:solidFill>
                   <a:srgbClr val="000000"/>
                 </a:solidFill>
@@ -20640,14 +20640,14 @@
           </a:ln>
           <a:extLst>
             <a:ext uri="{909E8E84-426E-40dd-AFC4-6F175D3DCCD1}">
-              <a14:hiddenFill xmlns:a14="http://schemas.microsoft.com/office/drawing/2010/main" xmlns="">
+              <a14:hiddenFill xmlns="" xmlns:a14="http://schemas.microsoft.com/office/drawing/2010/main">
                 <a:solidFill>
                   <a:srgbClr val="FFFFFF"/>
                 </a:solidFill>
               </a14:hiddenFill>
             </a:ext>
             <a:ext uri="{91240B29-F687-4f45-9708-019B960494DF}">
-              <a14:hiddenLine xmlns:a14="http://schemas.microsoft.com/office/drawing/2010/main" xmlns="" w="9525">
+              <a14:hiddenLine xmlns="" xmlns:a14="http://schemas.microsoft.com/office/drawing/2010/main" w="9525">
                 <a:solidFill>
                   <a:srgbClr val="000000"/>
                 </a:solidFill>
@@ -20912,14 +20912,14 @@
           </a:ln>
           <a:extLst>
             <a:ext uri="{909E8E84-426E-40dd-AFC4-6F175D3DCCD1}">
-              <a14:hiddenFill xmlns:a14="http://schemas.microsoft.com/office/drawing/2010/main" xmlns="">
+              <a14:hiddenFill xmlns="" xmlns:a14="http://schemas.microsoft.com/office/drawing/2010/main">
                 <a:solidFill>
                   <a:srgbClr val="FFFFFF"/>
                 </a:solidFill>
               </a14:hiddenFill>
             </a:ext>
             <a:ext uri="{91240B29-F687-4f45-9708-019B960494DF}">
-              <a14:hiddenLine xmlns:a14="http://schemas.microsoft.com/office/drawing/2010/main" xmlns="" w="9525">
+              <a14:hiddenLine xmlns="" xmlns:a14="http://schemas.microsoft.com/office/drawing/2010/main" w="9525">
                 <a:solidFill>
                   <a:srgbClr val="000000"/>
                 </a:solidFill>
@@ -21713,7 +21713,7 @@
           <a:noFill/>
           <a:extLst>
             <a:ext uri="{909E8E84-426E-40dd-AFC4-6F175D3DCCD1}">
-              <a14:hiddenFill xmlns="" xmlns:a14="http://schemas.microsoft.com/office/drawing/2010/main">
+              <a14:hiddenFill xmlns:a14="http://schemas.microsoft.com/office/drawing/2010/main" xmlns="">
                 <a:solidFill>
                   <a:srgbClr val="FFFFFF"/>
                 </a:solidFill>
@@ -22928,12 +22928,12 @@
               <a:effectLst/>
               <a:extLst>
                 <a:ext uri="{909E8E84-426E-40dd-AFC4-6F175D3DCCD1}">
-                  <a14:hiddenFill xmlns:a14="http://schemas.microsoft.com/office/drawing/2010/main" xmlns="">
+                  <a14:hiddenFill xmlns="" xmlns:a14="http://schemas.microsoft.com/office/drawing/2010/main">
                     <a:noFill/>
                   </a14:hiddenFill>
                 </a:ext>
                 <a:ext uri="{AF507438-7753-43e0-B8FC-AC1667EBCBE1}">
-                  <a14:hiddenEffects xmlns:a14="http://schemas.microsoft.com/office/drawing/2010/main" xmlns="">
+                  <a14:hiddenEffects xmlns="" xmlns:a14="http://schemas.microsoft.com/office/drawing/2010/main">
                     <a:effectLst>
                       <a:outerShdw blurRad="63500" dist="38099" dir="2700000" algn="ctr" rotWithShape="0">
                         <a:schemeClr val="bg2">
@@ -22981,12 +22981,12 @@
               <a:effectLst/>
               <a:extLst>
                 <a:ext uri="{909E8E84-426E-40dd-AFC4-6F175D3DCCD1}">
-                  <a14:hiddenFill xmlns:a14="http://schemas.microsoft.com/office/drawing/2010/main" xmlns="">
+                  <a14:hiddenFill xmlns="" xmlns:a14="http://schemas.microsoft.com/office/drawing/2010/main">
                     <a:noFill/>
                   </a14:hiddenFill>
                 </a:ext>
                 <a:ext uri="{AF507438-7753-43e0-B8FC-AC1667EBCBE1}">
-                  <a14:hiddenEffects xmlns:a14="http://schemas.microsoft.com/office/drawing/2010/main" xmlns="">
+                  <a14:hiddenEffects xmlns="" xmlns:a14="http://schemas.microsoft.com/office/drawing/2010/main">
                     <a:effectLst>
                       <a:outerShdw blurRad="63500" dist="38099" dir="2700000" algn="ctr" rotWithShape="0">
                         <a:schemeClr val="bg2">
@@ -23034,12 +23034,12 @@
               <a:effectLst/>
               <a:extLst>
                 <a:ext uri="{909E8E84-426E-40dd-AFC4-6F175D3DCCD1}">
-                  <a14:hiddenFill xmlns:a14="http://schemas.microsoft.com/office/drawing/2010/main" xmlns="">
+                  <a14:hiddenFill xmlns="" xmlns:a14="http://schemas.microsoft.com/office/drawing/2010/main">
                     <a:noFill/>
                   </a14:hiddenFill>
                 </a:ext>
                 <a:ext uri="{AF507438-7753-43e0-B8FC-AC1667EBCBE1}">
-                  <a14:hiddenEffects xmlns:a14="http://schemas.microsoft.com/office/drawing/2010/main" xmlns="">
+                  <a14:hiddenEffects xmlns="" xmlns:a14="http://schemas.microsoft.com/office/drawing/2010/main">
                     <a:effectLst>
                       <a:outerShdw blurRad="63500" dist="38099" dir="2700000" algn="ctr" rotWithShape="0">
                         <a:schemeClr val="bg2">
@@ -23083,14 +23083,14 @@
             <a:effectLst/>
             <a:extLst>
               <a:ext uri="{909E8E84-426E-40dd-AFC4-6F175D3DCCD1}">
-                <a14:hiddenFill xmlns:a14="http://schemas.microsoft.com/office/drawing/2010/main" xmlns="">
+                <a14:hiddenFill xmlns="" xmlns:a14="http://schemas.microsoft.com/office/drawing/2010/main">
                   <a:solidFill>
                     <a:schemeClr val="accent1"/>
                   </a:solidFill>
                 </a14:hiddenFill>
               </a:ext>
               <a:ext uri="{91240B29-F687-4f45-9708-019B960494DF}">
-                <a14:hiddenLine xmlns:a14="http://schemas.microsoft.com/office/drawing/2010/main" xmlns="" w="9525">
+                <a14:hiddenLine xmlns="" xmlns:a14="http://schemas.microsoft.com/office/drawing/2010/main" w="9525">
                   <a:solidFill>
                     <a:schemeClr val="tx1"/>
                   </a:solidFill>
@@ -23100,7 +23100,7 @@
                 </a14:hiddenLine>
               </a:ext>
               <a:ext uri="{AF507438-7753-43e0-B8FC-AC1667EBCBE1}">
-                <a14:hiddenEffects xmlns:a14="http://schemas.microsoft.com/office/drawing/2010/main" xmlns="">
+                <a14:hiddenEffects xmlns="" xmlns:a14="http://schemas.microsoft.com/office/drawing/2010/main">
                   <a:effectLst>
                     <a:outerShdw blurRad="63500" dist="38099" dir="2700000" algn="ctr" rotWithShape="0">
                       <a:schemeClr val="bg2">
@@ -23153,14 +23153,14 @@
             <a:effectLst/>
             <a:extLst>
               <a:ext uri="{909E8E84-426E-40dd-AFC4-6F175D3DCCD1}">
-                <a14:hiddenFill xmlns:a14="http://schemas.microsoft.com/office/drawing/2010/main" xmlns="">
+                <a14:hiddenFill xmlns="" xmlns:a14="http://schemas.microsoft.com/office/drawing/2010/main">
                   <a:solidFill>
                     <a:schemeClr val="accent1"/>
                   </a:solidFill>
                 </a14:hiddenFill>
               </a:ext>
               <a:ext uri="{91240B29-F687-4f45-9708-019B960494DF}">
-                <a14:hiddenLine xmlns:a14="http://schemas.microsoft.com/office/drawing/2010/main" xmlns="" w="9525">
+                <a14:hiddenLine xmlns="" xmlns:a14="http://schemas.microsoft.com/office/drawing/2010/main" w="9525">
                   <a:solidFill>
                     <a:schemeClr val="tx1"/>
                   </a:solidFill>
@@ -23170,7 +23170,7 @@
                 </a14:hiddenLine>
               </a:ext>
               <a:ext uri="{AF507438-7753-43e0-B8FC-AC1667EBCBE1}">
-                <a14:hiddenEffects xmlns:a14="http://schemas.microsoft.com/office/drawing/2010/main" xmlns="">
+                <a14:hiddenEffects xmlns="" xmlns:a14="http://schemas.microsoft.com/office/drawing/2010/main">
                   <a:effectLst>
                     <a:outerShdw blurRad="63500" dist="38099" dir="2700000" algn="ctr" rotWithShape="0">
                       <a:schemeClr val="bg2">
@@ -23223,14 +23223,14 @@
             <a:effectLst/>
             <a:extLst>
               <a:ext uri="{909E8E84-426E-40dd-AFC4-6F175D3DCCD1}">
-                <a14:hiddenFill xmlns:a14="http://schemas.microsoft.com/office/drawing/2010/main" xmlns="">
+                <a14:hiddenFill xmlns="" xmlns:a14="http://schemas.microsoft.com/office/drawing/2010/main">
                   <a:solidFill>
                     <a:schemeClr val="accent1"/>
                   </a:solidFill>
                 </a14:hiddenFill>
               </a:ext>
               <a:ext uri="{91240B29-F687-4f45-9708-019B960494DF}">
-                <a14:hiddenLine xmlns:a14="http://schemas.microsoft.com/office/drawing/2010/main" xmlns="" w="9525">
+                <a14:hiddenLine xmlns="" xmlns:a14="http://schemas.microsoft.com/office/drawing/2010/main" w="9525">
                   <a:solidFill>
                     <a:schemeClr val="tx1"/>
                   </a:solidFill>
@@ -23240,7 +23240,7 @@
                 </a14:hiddenLine>
               </a:ext>
               <a:ext uri="{AF507438-7753-43e0-B8FC-AC1667EBCBE1}">
-                <a14:hiddenEffects xmlns:a14="http://schemas.microsoft.com/office/drawing/2010/main" xmlns="">
+                <a14:hiddenEffects xmlns="" xmlns:a14="http://schemas.microsoft.com/office/drawing/2010/main">
                   <a:effectLst>
                     <a:outerShdw blurRad="63500" dist="38099" dir="2700000" algn="ctr" rotWithShape="0">
                       <a:schemeClr val="bg2">
@@ -23293,14 +23293,14 @@
             <a:effectLst/>
             <a:extLst>
               <a:ext uri="{909E8E84-426E-40dd-AFC4-6F175D3DCCD1}">
-                <a14:hiddenFill xmlns:a14="http://schemas.microsoft.com/office/drawing/2010/main" xmlns="">
+                <a14:hiddenFill xmlns="" xmlns:a14="http://schemas.microsoft.com/office/drawing/2010/main">
                   <a:solidFill>
                     <a:schemeClr val="accent1"/>
                   </a:solidFill>
                 </a14:hiddenFill>
               </a:ext>
               <a:ext uri="{91240B29-F687-4f45-9708-019B960494DF}">
-                <a14:hiddenLine xmlns:a14="http://schemas.microsoft.com/office/drawing/2010/main" xmlns="" w="9525">
+                <a14:hiddenLine xmlns="" xmlns:a14="http://schemas.microsoft.com/office/drawing/2010/main" w="9525">
                   <a:solidFill>
                     <a:schemeClr val="tx1"/>
                   </a:solidFill>
@@ -23310,7 +23310,7 @@
                 </a14:hiddenLine>
               </a:ext>
               <a:ext uri="{AF507438-7753-43e0-B8FC-AC1667EBCBE1}">
-                <a14:hiddenEffects xmlns:a14="http://schemas.microsoft.com/office/drawing/2010/main" xmlns="">
+                <a14:hiddenEffects xmlns="" xmlns:a14="http://schemas.microsoft.com/office/drawing/2010/main">
                   <a:effectLst>
                     <a:outerShdw blurRad="63500" dist="38099" dir="2700000" algn="ctr" rotWithShape="0">
                       <a:schemeClr val="bg2">
@@ -23364,14 +23364,14 @@
           <a:effectLst/>
           <a:extLst>
             <a:ext uri="{909E8E84-426E-40dd-AFC4-6F175D3DCCD1}">
-              <a14:hiddenFill xmlns:a14="http://schemas.microsoft.com/office/drawing/2010/main" xmlns="">
+              <a14:hiddenFill xmlns="" xmlns:a14="http://schemas.microsoft.com/office/drawing/2010/main">
                 <a:solidFill>
                   <a:schemeClr val="accent1"/>
                 </a:solidFill>
               </a14:hiddenFill>
             </a:ext>
             <a:ext uri="{91240B29-F687-4f45-9708-019B960494DF}">
-              <a14:hiddenLine xmlns:a14="http://schemas.microsoft.com/office/drawing/2010/main" xmlns="" w="9525">
+              <a14:hiddenLine xmlns="" xmlns:a14="http://schemas.microsoft.com/office/drawing/2010/main" w="9525">
                 <a:solidFill>
                   <a:schemeClr val="tx1"/>
                 </a:solidFill>
@@ -23381,7 +23381,7 @@
               </a14:hiddenLine>
             </a:ext>
             <a:ext uri="{AF507438-7753-43e0-B8FC-AC1667EBCBE1}">
-              <a14:hiddenEffects xmlns:a14="http://schemas.microsoft.com/office/drawing/2010/main" xmlns="">
+              <a14:hiddenEffects xmlns="" xmlns:a14="http://schemas.microsoft.com/office/drawing/2010/main">
                 <a:effectLst>
                   <a:outerShdw blurRad="63500" dist="38099" dir="2700000" algn="ctr" rotWithShape="0">
                     <a:schemeClr val="bg2">
@@ -23442,14 +23442,14 @@
           <a:effectLst/>
           <a:extLst>
             <a:ext uri="{909E8E84-426E-40dd-AFC4-6F175D3DCCD1}">
-              <a14:hiddenFill xmlns:a14="http://schemas.microsoft.com/office/drawing/2010/main" xmlns="">
+              <a14:hiddenFill xmlns="" xmlns:a14="http://schemas.microsoft.com/office/drawing/2010/main">
                 <a:solidFill>
                   <a:schemeClr val="accent1"/>
                 </a:solidFill>
               </a14:hiddenFill>
             </a:ext>
             <a:ext uri="{91240B29-F687-4f45-9708-019B960494DF}">
-              <a14:hiddenLine xmlns:a14="http://schemas.microsoft.com/office/drawing/2010/main" xmlns="" w="9525">
+              <a14:hiddenLine xmlns="" xmlns:a14="http://schemas.microsoft.com/office/drawing/2010/main" w="9525">
                 <a:solidFill>
                   <a:schemeClr val="tx1"/>
                 </a:solidFill>
@@ -23459,7 +23459,7 @@
               </a14:hiddenLine>
             </a:ext>
             <a:ext uri="{AF507438-7753-43e0-B8FC-AC1667EBCBE1}">
-              <a14:hiddenEffects xmlns:a14="http://schemas.microsoft.com/office/drawing/2010/main" xmlns="">
+              <a14:hiddenEffects xmlns="" xmlns:a14="http://schemas.microsoft.com/office/drawing/2010/main">
                 <a:effectLst>
                   <a:outerShdw blurRad="63500" dist="38099" dir="2700000" algn="ctr" rotWithShape="0">
                     <a:schemeClr val="bg2">
@@ -23520,14 +23520,14 @@
           <a:effectLst/>
           <a:extLst>
             <a:ext uri="{909E8E84-426E-40dd-AFC4-6F175D3DCCD1}">
-              <a14:hiddenFill xmlns:a14="http://schemas.microsoft.com/office/drawing/2010/main" xmlns="">
+              <a14:hiddenFill xmlns="" xmlns:a14="http://schemas.microsoft.com/office/drawing/2010/main">
                 <a:solidFill>
                   <a:schemeClr val="accent1"/>
                 </a:solidFill>
               </a14:hiddenFill>
             </a:ext>
             <a:ext uri="{91240B29-F687-4f45-9708-019B960494DF}">
-              <a14:hiddenLine xmlns:a14="http://schemas.microsoft.com/office/drawing/2010/main" xmlns="" w="9525">
+              <a14:hiddenLine xmlns="" xmlns:a14="http://schemas.microsoft.com/office/drawing/2010/main" w="9525">
                 <a:solidFill>
                   <a:schemeClr val="tx1"/>
                 </a:solidFill>
@@ -23537,7 +23537,7 @@
               </a14:hiddenLine>
             </a:ext>
             <a:ext uri="{AF507438-7753-43e0-B8FC-AC1667EBCBE1}">
-              <a14:hiddenEffects xmlns:a14="http://schemas.microsoft.com/office/drawing/2010/main" xmlns="">
+              <a14:hiddenEffects xmlns="" xmlns:a14="http://schemas.microsoft.com/office/drawing/2010/main">
                 <a:effectLst>
                   <a:outerShdw blurRad="63500" dist="38099" dir="2700000" algn="ctr" rotWithShape="0">
                     <a:schemeClr val="bg2">
@@ -23586,14 +23586,14 @@
           <a:effectLst/>
           <a:extLst>
             <a:ext uri="{909E8E84-426E-40dd-AFC4-6F175D3DCCD1}">
-              <a14:hiddenFill xmlns:a14="http://schemas.microsoft.com/office/drawing/2010/main" xmlns="">
+              <a14:hiddenFill xmlns="" xmlns:a14="http://schemas.microsoft.com/office/drawing/2010/main">
                 <a:solidFill>
                   <a:schemeClr val="accent1"/>
                 </a:solidFill>
               </a14:hiddenFill>
             </a:ext>
             <a:ext uri="{91240B29-F687-4f45-9708-019B960494DF}">
-              <a14:hiddenLine xmlns:a14="http://schemas.microsoft.com/office/drawing/2010/main" xmlns="" w="9525">
+              <a14:hiddenLine xmlns="" xmlns:a14="http://schemas.microsoft.com/office/drawing/2010/main" w="9525">
                 <a:solidFill>
                   <a:schemeClr val="tx1"/>
                 </a:solidFill>
@@ -23603,7 +23603,7 @@
               </a14:hiddenLine>
             </a:ext>
             <a:ext uri="{AF507438-7753-43e0-B8FC-AC1667EBCBE1}">
-              <a14:hiddenEffects xmlns:a14="http://schemas.microsoft.com/office/drawing/2010/main" xmlns="">
+              <a14:hiddenEffects xmlns="" xmlns:a14="http://schemas.microsoft.com/office/drawing/2010/main">
                 <a:effectLst>
                   <a:outerShdw blurRad="63500" dist="38099" dir="2700000" algn="ctr" rotWithShape="0">
                     <a:schemeClr val="bg2">
@@ -23652,14 +23652,14 @@
           <a:effectLst/>
           <a:extLst>
             <a:ext uri="{909E8E84-426E-40dd-AFC4-6F175D3DCCD1}">
-              <a14:hiddenFill xmlns:a14="http://schemas.microsoft.com/office/drawing/2010/main" xmlns="">
+              <a14:hiddenFill xmlns="" xmlns:a14="http://schemas.microsoft.com/office/drawing/2010/main">
                 <a:solidFill>
                   <a:schemeClr val="accent1"/>
                 </a:solidFill>
               </a14:hiddenFill>
             </a:ext>
             <a:ext uri="{91240B29-F687-4f45-9708-019B960494DF}">
-              <a14:hiddenLine xmlns:a14="http://schemas.microsoft.com/office/drawing/2010/main" xmlns="" w="9525">
+              <a14:hiddenLine xmlns="" xmlns:a14="http://schemas.microsoft.com/office/drawing/2010/main" w="9525">
                 <a:solidFill>
                   <a:schemeClr val="tx1"/>
                 </a:solidFill>
@@ -23669,7 +23669,7 @@
               </a14:hiddenLine>
             </a:ext>
             <a:ext uri="{AF507438-7753-43e0-B8FC-AC1667EBCBE1}">
-              <a14:hiddenEffects xmlns:a14="http://schemas.microsoft.com/office/drawing/2010/main" xmlns="">
+              <a14:hiddenEffects xmlns="" xmlns:a14="http://schemas.microsoft.com/office/drawing/2010/main">
                 <a:effectLst>
                   <a:outerShdw blurRad="63500" dist="38099" dir="2700000" algn="ctr" rotWithShape="0">
                     <a:schemeClr val="bg2">
@@ -23718,14 +23718,14 @@
           <a:effectLst/>
           <a:extLst>
             <a:ext uri="{909E8E84-426E-40dd-AFC4-6F175D3DCCD1}">
-              <a14:hiddenFill xmlns:a14="http://schemas.microsoft.com/office/drawing/2010/main" xmlns="">
+              <a14:hiddenFill xmlns="" xmlns:a14="http://schemas.microsoft.com/office/drawing/2010/main">
                 <a:solidFill>
                   <a:schemeClr val="accent1"/>
                 </a:solidFill>
               </a14:hiddenFill>
             </a:ext>
             <a:ext uri="{91240B29-F687-4f45-9708-019B960494DF}">
-              <a14:hiddenLine xmlns:a14="http://schemas.microsoft.com/office/drawing/2010/main" xmlns="" w="9525">
+              <a14:hiddenLine xmlns="" xmlns:a14="http://schemas.microsoft.com/office/drawing/2010/main" w="9525">
                 <a:solidFill>
                   <a:schemeClr val="tx1"/>
                 </a:solidFill>
@@ -23735,7 +23735,7 @@
               </a14:hiddenLine>
             </a:ext>
             <a:ext uri="{AF507438-7753-43e0-B8FC-AC1667EBCBE1}">
-              <a14:hiddenEffects xmlns:a14="http://schemas.microsoft.com/office/drawing/2010/main" xmlns="">
+              <a14:hiddenEffects xmlns="" xmlns:a14="http://schemas.microsoft.com/office/drawing/2010/main">
                 <a:effectLst>
                   <a:outerShdw blurRad="63500" dist="38099" dir="2700000" algn="ctr" rotWithShape="0">
                     <a:schemeClr val="bg2">
@@ -23784,14 +23784,14 @@
           <a:effectLst/>
           <a:extLst>
             <a:ext uri="{909E8E84-426E-40dd-AFC4-6F175D3DCCD1}">
-              <a14:hiddenFill xmlns:a14="http://schemas.microsoft.com/office/drawing/2010/main" xmlns="">
+              <a14:hiddenFill xmlns="" xmlns:a14="http://schemas.microsoft.com/office/drawing/2010/main">
                 <a:solidFill>
                   <a:schemeClr val="accent1"/>
                 </a:solidFill>
               </a14:hiddenFill>
             </a:ext>
             <a:ext uri="{91240B29-F687-4f45-9708-019B960494DF}">
-              <a14:hiddenLine xmlns:a14="http://schemas.microsoft.com/office/drawing/2010/main" xmlns="" w="9525">
+              <a14:hiddenLine xmlns="" xmlns:a14="http://schemas.microsoft.com/office/drawing/2010/main" w="9525">
                 <a:solidFill>
                   <a:schemeClr val="tx1"/>
                 </a:solidFill>
@@ -23801,7 +23801,7 @@
               </a14:hiddenLine>
             </a:ext>
             <a:ext uri="{AF507438-7753-43e0-B8FC-AC1667EBCBE1}">
-              <a14:hiddenEffects xmlns:a14="http://schemas.microsoft.com/office/drawing/2010/main" xmlns="">
+              <a14:hiddenEffects xmlns="" xmlns:a14="http://schemas.microsoft.com/office/drawing/2010/main">
                 <a:effectLst>
                   <a:outerShdw blurRad="63500" dist="38099" dir="2700000" algn="ctr" rotWithShape="0">
                     <a:schemeClr val="bg2">
@@ -23942,7 +23942,7 @@
           <a:effectLst/>
           <a:extLst>
             <a:ext uri="{91240B29-F687-4f45-9708-019B960494DF}">
-              <a14:hiddenLine xmlns:a14="http://schemas.microsoft.com/office/drawing/2010/main" xmlns="" w="9525">
+              <a14:hiddenLine xmlns="" xmlns:a14="http://schemas.microsoft.com/office/drawing/2010/main" w="9525">
                 <a:solidFill>
                   <a:schemeClr val="tx1"/>
                 </a:solidFill>
@@ -23952,7 +23952,7 @@
               </a14:hiddenLine>
             </a:ext>
             <a:ext uri="{AF507438-7753-43e0-B8FC-AC1667EBCBE1}">
-              <a14:hiddenEffects xmlns:a14="http://schemas.microsoft.com/office/drawing/2010/main" xmlns="">
+              <a14:hiddenEffects xmlns="" xmlns:a14="http://schemas.microsoft.com/office/drawing/2010/main">
                 <a:effectLst>
                   <a:outerShdw blurRad="63500" dist="38099" dir="2700000" algn="ctr" rotWithShape="0">
                     <a:schemeClr val="bg2">
@@ -24564,14 +24564,14 @@
           </a:ln>
           <a:extLst>
             <a:ext uri="{909E8E84-426E-40dd-AFC4-6F175D3DCCD1}">
-              <a14:hiddenFill xmlns="" xmlns:a14="http://schemas.microsoft.com/office/drawing/2010/main">
+              <a14:hiddenFill xmlns:a14="http://schemas.microsoft.com/office/drawing/2010/main" xmlns="">
                 <a:solidFill>
                   <a:srgbClr val="FFFFFF"/>
                 </a:solidFill>
               </a14:hiddenFill>
             </a:ext>
             <a:ext uri="{91240B29-F687-4f45-9708-019B960494DF}">
-              <a14:hiddenLine xmlns="" xmlns:a14="http://schemas.microsoft.com/office/drawing/2010/main" w="9525">
+              <a14:hiddenLine xmlns:a14="http://schemas.microsoft.com/office/drawing/2010/main" xmlns="" w="9525">
                 <a:solidFill>
                   <a:srgbClr val="000000"/>
                 </a:solidFill>
